--- a/recognition_mods_07242021.pptx
+++ b/recognition_mods_07242021.pptx
@@ -10,7 +10,7 @@
     <p:sldId id="257" r:id="rId4"/>
     <p:sldId id="260" r:id="rId5"/>
     <p:sldId id="259" r:id="rId6"/>
-    <p:sldId id="261" r:id="rId7"/>
+    <p:sldId id="262" r:id="rId7"/>
   </p:sldIdLst>
   <p:sldSz cx="12192000" cy="6858000"/>
   <p:notesSz cx="6858000" cy="9144000"/>
@@ -3398,6 +3398,14 @@
 <file path=ppt/slides/slide2.xml><?xml version="1.0" encoding="utf-8"?>
 <p:sld xmlns:a="http://schemas.openxmlformats.org/drawingml/2006/main" xmlns:r="http://schemas.openxmlformats.org/officeDocument/2006/relationships" xmlns:p="http://schemas.openxmlformats.org/presentationml/2006/main">
   <p:cSld>
+    <p:bg>
+      <p:bgPr>
+        <a:solidFill>
+          <a:schemeClr val="bg1"/>
+        </a:solidFill>
+        <a:effectLst/>
+      </p:bgPr>
+    </p:bg>
     <p:spTree>
       <p:nvGrpSpPr>
         <p:cNvPr id="1" name=""/>
@@ -3412,63 +3420,560 @@
           <a:chExt cx="0" cy="0"/>
         </a:xfrm>
       </p:grpSpPr>
-      <p:sp>
-        <p:nvSpPr>
-          <p:cNvPr id="2" name="Title 1">
-            <a:extLst>
-              <a:ext uri="{FF2B5EF4-FFF2-40B4-BE49-F238E27FC236}">
-                <a16:creationId xmlns:a16="http://schemas.microsoft.com/office/drawing/2014/main" id="{573C62A9-3477-7E41-9CC9-CBCA0A978287}"/>
-              </a:ext>
-            </a:extLst>
-          </p:cNvPr>
-          <p:cNvSpPr>
-            <a:spLocks noGrp="1"/>
-          </p:cNvSpPr>
-          <p:nvPr>
-            <p:ph type="title"/>
-          </p:nvPr>
-        </p:nvSpPr>
-        <p:spPr/>
-        <p:txBody>
-          <a:bodyPr>
+      <p:sp useBgFill="1">
+        <p:nvSpPr>
+          <p:cNvPr id="13" name="Rectangle 12">
+            <a:extLst>
+              <a:ext uri="{FF2B5EF4-FFF2-40B4-BE49-F238E27FC236}">
+                <a16:creationId xmlns:a16="http://schemas.microsoft.com/office/drawing/2014/main" id="{2B97F24A-32CE-4C1C-A50D-3016B394DCFB}"/>
+              </a:ext>
+              <a:ext uri="{C183D7F6-B498-43B3-948B-1728B52AA6E4}">
+                <adec:decorative xmlns:adec="http://schemas.microsoft.com/office/drawing/2017/decorative" val="1"/>
+              </a:ext>
+            </a:extLst>
+          </p:cNvPr>
+          <p:cNvSpPr>
+            <a:spLocks noGrp="1" noRot="1" noChangeAspect="1" noMove="1" noResize="1" noEditPoints="1" noAdjustHandles="1" noChangeArrowheads="1" noChangeShapeType="1" noTextEdit="1"/>
+          </p:cNvSpPr>
+          <p:nvPr>
+            <p:extLst>
+              <p:ext uri="{386F3935-93C4-4BCD-93E2-E3B085C9AB24}">
+                <p16:designElem xmlns:p16="http://schemas.microsoft.com/office/powerpoint/2015/main" val="1"/>
+              </p:ext>
+            </p:extLst>
+          </p:nvPr>
+        </p:nvSpPr>
+        <p:spPr>
+          <a:xfrm>
+            <a:off x="0" y="0"/>
+            <a:ext cx="12192000" cy="6858000"/>
+          </a:xfrm>
+          <a:prstGeom prst="rect">
+            <a:avLst/>
+          </a:prstGeom>
+          <a:ln>
+            <a:noFill/>
+          </a:ln>
+        </p:spPr>
+        <p:style>
+          <a:lnRef idx="2">
+            <a:schemeClr val="accent1">
+              <a:shade val="50000"/>
+            </a:schemeClr>
+          </a:lnRef>
+          <a:fillRef idx="1">
+            <a:schemeClr val="accent1"/>
+          </a:fillRef>
+          <a:effectRef idx="0">
+            <a:schemeClr val="accent1"/>
+          </a:effectRef>
+          <a:fontRef idx="minor">
+            <a:schemeClr val="lt1"/>
+          </a:fontRef>
+        </p:style>
+        <p:txBody>
+          <a:bodyPr rtlCol="0" anchor="ctr"/>
+          <a:lstStyle/>
+          <a:p>
+            <a:pPr algn="ctr"/>
+            <a:endParaRPr lang="en-US"/>
+          </a:p>
+        </p:txBody>
+      </p:sp>
+      <p:sp>
+        <p:nvSpPr>
+          <p:cNvPr id="15" name="sketch line">
+            <a:extLst>
+              <a:ext uri="{FF2B5EF4-FFF2-40B4-BE49-F238E27FC236}">
+                <a16:creationId xmlns:a16="http://schemas.microsoft.com/office/drawing/2014/main" id="{CD8B4F24-440B-49E9-B85D-733523DC064B}"/>
+              </a:ext>
+              <a:ext uri="{C183D7F6-B498-43B3-948B-1728B52AA6E4}">
+                <adec:decorative xmlns:adec="http://schemas.microsoft.com/office/drawing/2017/decorative" val="1"/>
+              </a:ext>
+            </a:extLst>
+          </p:cNvPr>
+          <p:cNvSpPr>
+            <a:spLocks noGrp="1" noRot="1" noChangeAspect="1" noMove="1" noResize="1" noEditPoints="1" noAdjustHandles="1" noChangeArrowheads="1" noChangeShapeType="1" noTextEdit="1"/>
+          </p:cNvSpPr>
+          <p:nvPr>
+            <p:extLst>
+              <p:ext uri="{386F3935-93C4-4BCD-93E2-E3B085C9AB24}">
+                <p16:designElem xmlns:p16="http://schemas.microsoft.com/office/powerpoint/2015/main" val="1"/>
+              </p:ext>
+            </p:extLst>
+          </p:nvPr>
+        </p:nvSpPr>
+        <p:spPr>
+          <a:xfrm>
+            <a:off x="643278" y="2573756"/>
+            <a:ext cx="3255095" cy="18288"/>
+          </a:xfrm>
+          <a:custGeom>
+            <a:avLst/>
+            <a:gdLst>
+              <a:gd name="connsiteX0" fmla="*/ 0 w 3255095"/>
+              <a:gd name="connsiteY0" fmla="*/ 0 h 18288"/>
+              <a:gd name="connsiteX1" fmla="*/ 618468 w 3255095"/>
+              <a:gd name="connsiteY1" fmla="*/ 0 h 18288"/>
+              <a:gd name="connsiteX2" fmla="*/ 1269487 w 3255095"/>
+              <a:gd name="connsiteY2" fmla="*/ 0 h 18288"/>
+              <a:gd name="connsiteX3" fmla="*/ 1953057 w 3255095"/>
+              <a:gd name="connsiteY3" fmla="*/ 0 h 18288"/>
+              <a:gd name="connsiteX4" fmla="*/ 2636627 w 3255095"/>
+              <a:gd name="connsiteY4" fmla="*/ 0 h 18288"/>
+              <a:gd name="connsiteX5" fmla="*/ 3255095 w 3255095"/>
+              <a:gd name="connsiteY5" fmla="*/ 0 h 18288"/>
+              <a:gd name="connsiteX6" fmla="*/ 3255095 w 3255095"/>
+              <a:gd name="connsiteY6" fmla="*/ 18288 h 18288"/>
+              <a:gd name="connsiteX7" fmla="*/ 2538974 w 3255095"/>
+              <a:gd name="connsiteY7" fmla="*/ 18288 h 18288"/>
+              <a:gd name="connsiteX8" fmla="*/ 1822853 w 3255095"/>
+              <a:gd name="connsiteY8" fmla="*/ 18288 h 18288"/>
+              <a:gd name="connsiteX9" fmla="*/ 1171834 w 3255095"/>
+              <a:gd name="connsiteY9" fmla="*/ 18288 h 18288"/>
+              <a:gd name="connsiteX10" fmla="*/ 0 w 3255095"/>
+              <a:gd name="connsiteY10" fmla="*/ 18288 h 18288"/>
+              <a:gd name="connsiteX11" fmla="*/ 0 w 3255095"/>
+              <a:gd name="connsiteY11" fmla="*/ 0 h 18288"/>
+            </a:gdLst>
+            <a:ahLst/>
+            <a:cxnLst>
+              <a:cxn ang="0">
+                <a:pos x="connsiteX0" y="connsiteY0"/>
+              </a:cxn>
+              <a:cxn ang="0">
+                <a:pos x="connsiteX1" y="connsiteY1"/>
+              </a:cxn>
+              <a:cxn ang="0">
+                <a:pos x="connsiteX2" y="connsiteY2"/>
+              </a:cxn>
+              <a:cxn ang="0">
+                <a:pos x="connsiteX3" y="connsiteY3"/>
+              </a:cxn>
+              <a:cxn ang="0">
+                <a:pos x="connsiteX4" y="connsiteY4"/>
+              </a:cxn>
+              <a:cxn ang="0">
+                <a:pos x="connsiteX5" y="connsiteY5"/>
+              </a:cxn>
+              <a:cxn ang="0">
+                <a:pos x="connsiteX6" y="connsiteY6"/>
+              </a:cxn>
+              <a:cxn ang="0">
+                <a:pos x="connsiteX7" y="connsiteY7"/>
+              </a:cxn>
+              <a:cxn ang="0">
+                <a:pos x="connsiteX8" y="connsiteY8"/>
+              </a:cxn>
+              <a:cxn ang="0">
+                <a:pos x="connsiteX9" y="connsiteY9"/>
+              </a:cxn>
+              <a:cxn ang="0">
+                <a:pos x="connsiteX10" y="connsiteY10"/>
+              </a:cxn>
+              <a:cxn ang="0">
+                <a:pos x="connsiteX11" y="connsiteY11"/>
+              </a:cxn>
+            </a:cxnLst>
+            <a:rect l="l" t="t" r="r" b="b"/>
+            <a:pathLst>
+              <a:path w="3255095" h="18288" fill="none" extrusionOk="0">
+                <a:moveTo>
+                  <a:pt x="0" y="0"/>
+                </a:moveTo>
+                <a:cubicBezTo>
+                  <a:pt x="240201" y="-22123"/>
+                  <a:pt x="462021" y="-19623"/>
+                  <a:pt x="618468" y="0"/>
+                </a:cubicBezTo>
+                <a:cubicBezTo>
+                  <a:pt x="774915" y="19623"/>
+                  <a:pt x="974734" y="2035"/>
+                  <a:pt x="1269487" y="0"/>
+                </a:cubicBezTo>
+                <a:cubicBezTo>
+                  <a:pt x="1564240" y="-2035"/>
+                  <a:pt x="1733579" y="10639"/>
+                  <a:pt x="1953057" y="0"/>
+                </a:cubicBezTo>
+                <a:cubicBezTo>
+                  <a:pt x="2172535" y="-10639"/>
+                  <a:pt x="2453962" y="14018"/>
+                  <a:pt x="2636627" y="0"/>
+                </a:cubicBezTo>
+                <a:cubicBezTo>
+                  <a:pt x="2819292" y="-14018"/>
+                  <a:pt x="3121375" y="5399"/>
+                  <a:pt x="3255095" y="0"/>
+                </a:cubicBezTo>
+                <a:cubicBezTo>
+                  <a:pt x="3254386" y="8157"/>
+                  <a:pt x="3254682" y="12125"/>
+                  <a:pt x="3255095" y="18288"/>
+                </a:cubicBezTo>
+                <a:cubicBezTo>
+                  <a:pt x="3088545" y="23203"/>
+                  <a:pt x="2687475" y="7419"/>
+                  <a:pt x="2538974" y="18288"/>
+                </a:cubicBezTo>
+                <a:cubicBezTo>
+                  <a:pt x="2390473" y="29157"/>
+                  <a:pt x="2137381" y="-8959"/>
+                  <a:pt x="1822853" y="18288"/>
+                </a:cubicBezTo>
+                <a:cubicBezTo>
+                  <a:pt x="1508325" y="45535"/>
+                  <a:pt x="1466437" y="20385"/>
+                  <a:pt x="1171834" y="18288"/>
+                </a:cubicBezTo>
+                <a:cubicBezTo>
+                  <a:pt x="877231" y="16191"/>
+                  <a:pt x="561097" y="37643"/>
+                  <a:pt x="0" y="18288"/>
+                </a:cubicBezTo>
+                <a:cubicBezTo>
+                  <a:pt x="-46" y="12483"/>
+                  <a:pt x="-203" y="6491"/>
+                  <a:pt x="0" y="0"/>
+                </a:cubicBezTo>
+                <a:close/>
+              </a:path>
+              <a:path w="3255095" h="18288" stroke="0" extrusionOk="0">
+                <a:moveTo>
+                  <a:pt x="0" y="0"/>
+                </a:moveTo>
+                <a:cubicBezTo>
+                  <a:pt x="291965" y="19429"/>
+                  <a:pt x="363155" y="8568"/>
+                  <a:pt x="618468" y="0"/>
+                </a:cubicBezTo>
+                <a:cubicBezTo>
+                  <a:pt x="873781" y="-8568"/>
+                  <a:pt x="904459" y="-19505"/>
+                  <a:pt x="1171834" y="0"/>
+                </a:cubicBezTo>
+                <a:cubicBezTo>
+                  <a:pt x="1439209" y="19505"/>
+                  <a:pt x="1744369" y="9790"/>
+                  <a:pt x="1887955" y="0"/>
+                </a:cubicBezTo>
+                <a:cubicBezTo>
+                  <a:pt x="2031541" y="-9790"/>
+                  <a:pt x="2346378" y="21240"/>
+                  <a:pt x="2506423" y="0"/>
+                </a:cubicBezTo>
+                <a:cubicBezTo>
+                  <a:pt x="2666468" y="-21240"/>
+                  <a:pt x="2990257" y="30414"/>
+                  <a:pt x="3255095" y="0"/>
+                </a:cubicBezTo>
+                <a:cubicBezTo>
+                  <a:pt x="3254831" y="4493"/>
+                  <a:pt x="3255479" y="9472"/>
+                  <a:pt x="3255095" y="18288"/>
+                </a:cubicBezTo>
+                <a:cubicBezTo>
+                  <a:pt x="3120743" y="16690"/>
+                  <a:pt x="2759628" y="42462"/>
+                  <a:pt x="2604076" y="18288"/>
+                </a:cubicBezTo>
+                <a:cubicBezTo>
+                  <a:pt x="2448524" y="-5886"/>
+                  <a:pt x="2184336" y="19599"/>
+                  <a:pt x="1887955" y="18288"/>
+                </a:cubicBezTo>
+                <a:cubicBezTo>
+                  <a:pt x="1591574" y="16977"/>
+                  <a:pt x="1548845" y="6870"/>
+                  <a:pt x="1334589" y="18288"/>
+                </a:cubicBezTo>
+                <a:cubicBezTo>
+                  <a:pt x="1120333" y="29706"/>
+                  <a:pt x="996014" y="9662"/>
+                  <a:pt x="683570" y="18288"/>
+                </a:cubicBezTo>
+                <a:cubicBezTo>
+                  <a:pt x="371126" y="26914"/>
+                  <a:pt x="198687" y="16167"/>
+                  <a:pt x="0" y="18288"/>
+                </a:cubicBezTo>
+                <a:cubicBezTo>
+                  <a:pt x="843" y="9577"/>
+                  <a:pt x="371" y="6900"/>
+                  <a:pt x="0" y="0"/>
+                </a:cubicBezTo>
+                <a:close/>
+              </a:path>
+            </a:pathLst>
+          </a:custGeom>
+          <a:solidFill>
+            <a:schemeClr val="accent2"/>
+          </a:solidFill>
+          <a:ln w="38100" cap="rnd">
+            <a:solidFill>
+              <a:schemeClr val="accent2"/>
+            </a:solidFill>
+            <a:round/>
+            <a:extLst>
+              <a:ext uri="{C807C97D-BFC1-408E-A445-0C87EB9F89A2}">
+                <ask:lineSketchStyleProps xmlns:ask="http://schemas.microsoft.com/office/drawing/2018/sketchyshapes" sd="1219033472">
+                  <a:prstGeom prst="rect">
+                    <a:avLst/>
+                  </a:prstGeom>
+                  <ask:type>
+                    <ask:lineSketchFreehand/>
+                  </ask:type>
+                </ask:lineSketchStyleProps>
+              </a:ext>
+            </a:extLst>
+          </a:ln>
+        </p:spPr>
+        <p:style>
+          <a:lnRef idx="2">
+            <a:schemeClr val="accent1">
+              <a:shade val="50000"/>
+            </a:schemeClr>
+          </a:lnRef>
+          <a:fillRef idx="1">
+            <a:schemeClr val="accent1"/>
+          </a:fillRef>
+          <a:effectRef idx="0">
+            <a:schemeClr val="accent1"/>
+          </a:effectRef>
+          <a:fontRef idx="minor">
+            <a:schemeClr val="lt1"/>
+          </a:fontRef>
+        </p:style>
+        <p:txBody>
+          <a:bodyPr rtlCol="0" anchor="ctr"/>
+          <a:lstStyle/>
+          <a:p>
+            <a:pPr algn="ctr"/>
+            <a:endParaRPr lang="en-US"/>
+          </a:p>
+        </p:txBody>
+      </p:sp>
+      <p:sp>
+        <p:nvSpPr>
+          <p:cNvPr id="8" name="TextBox 7">
+            <a:extLst>
+              <a:ext uri="{FF2B5EF4-FFF2-40B4-BE49-F238E27FC236}">
+                <a16:creationId xmlns:a16="http://schemas.microsoft.com/office/drawing/2014/main" id="{C5103A34-FFB7-754E-9279-E542F5DEAD83}"/>
+              </a:ext>
+            </a:extLst>
+          </p:cNvPr>
+          <p:cNvSpPr txBox="1"/>
+          <p:nvPr/>
+        </p:nvSpPr>
+        <p:spPr>
+          <a:xfrm>
+            <a:off x="630936" y="2807208"/>
+            <a:ext cx="3429000" cy="3410712"/>
+          </a:xfrm>
+          <a:prstGeom prst="rect">
+            <a:avLst/>
+          </a:prstGeom>
+        </p:spPr>
+        <p:txBody>
+          <a:bodyPr vert="horz" lIns="91440" tIns="45720" rIns="91440" bIns="45720" rtlCol="0" anchor="t">
             <a:normAutofit/>
           </a:bodyPr>
           <a:lstStyle/>
           <a:p>
-            <a:r>
-              <a:rPr lang="en-US" sz="2000" dirty="0"/>
-              <a:t>BIC = 22910.75, R^2= 0.166, </a:t>
-            </a:r>
-            <a:br>
-              <a:rPr lang="en-US" sz="2000" dirty="0"/>
-            </a:br>
-            <a:r>
-              <a:rPr lang="en-US" sz="2000" dirty="0"/>
-              <a:t>OP (p)= 0.02* ,  OP^2 (p)= &lt;0.001*, List (p)= 0.44, List^2 (p)= 0.21</a:t>
-            </a:r>
-            <a:br>
-              <a:rPr lang="en-US" sz="2000" dirty="0"/>
-            </a:br>
-            <a:r>
-              <a:rPr lang="el-GR" sz="2000" dirty="0"/>
-              <a:t>β_</a:t>
-            </a:r>
-            <a:r>
-              <a:rPr lang="en-US" sz="2000" dirty="0"/>
-              <a:t>OP= -0.04, </a:t>
-            </a:r>
-            <a:r>
-              <a:rPr lang="el-GR" sz="2000" dirty="0"/>
-              <a:t>β</a:t>
-            </a:r>
-            <a:r>
-              <a:rPr lang="en-US" sz="2000" dirty="0"/>
-              <a:t>_op2= -0.004, list= 0.013, list2= -0.001</a:t>
-            </a:r>
-            <a:br>
-              <a:rPr lang="en-US" sz="2000" dirty="0"/>
-            </a:br>
-            <a:endParaRPr lang="en-US" sz="2000" dirty="0"/>
+            <a:pPr indent="-228600">
+              <a:lnSpc>
+                <a:spcPct val="90000"/>
+              </a:lnSpc>
+              <a:spcAft>
+                <a:spcPts val="600"/>
+              </a:spcAft>
+              <a:buFont typeface="Arial" panose="020B0604020202020204" pitchFamily="34" charset="0"/>
+              <a:buChar char="•"/>
+            </a:pPr>
+            <a:r>
+              <a:rPr lang="en-US" sz="1500" dirty="0"/>
+              <a:t>BIC:22910.7</a:t>
+            </a:r>
+          </a:p>
+          <a:p>
+            <a:pPr indent="-228600">
+              <a:lnSpc>
+                <a:spcPct val="90000"/>
+              </a:lnSpc>
+              <a:spcAft>
+                <a:spcPts val="600"/>
+              </a:spcAft>
+              <a:buFont typeface="Arial" panose="020B0604020202020204" pitchFamily="34" charset="0"/>
+              <a:buChar char="•"/>
+            </a:pPr>
+            <a:r>
+              <a:rPr lang="en-US" sz="1500" dirty="0"/>
+              <a:t>R^2: 0.1657</a:t>
+            </a:r>
+          </a:p>
+          <a:p>
+            <a:pPr indent="-228600">
+              <a:lnSpc>
+                <a:spcPct val="90000"/>
+              </a:lnSpc>
+              <a:spcAft>
+                <a:spcPts val="600"/>
+              </a:spcAft>
+              <a:buFont typeface="Arial" panose="020B0604020202020204" pitchFamily="34" charset="0"/>
+              <a:buChar char="•"/>
+            </a:pPr>
+            <a:r>
+              <a:rPr lang="en-US" sz="1500" b="1" dirty="0"/>
+              <a:t>Betas</a:t>
+            </a:r>
+          </a:p>
+          <a:p>
+            <a:pPr marL="285750" indent="-228600">
+              <a:lnSpc>
+                <a:spcPct val="90000"/>
+              </a:lnSpc>
+              <a:spcAft>
+                <a:spcPts val="600"/>
+              </a:spcAft>
+              <a:buFont typeface="Arial" panose="020B0604020202020204" pitchFamily="34" charset="0"/>
+              <a:buChar char="•"/>
+            </a:pPr>
+            <a:r>
+              <a:rPr lang="en-US" sz="1500" dirty="0"/>
+              <a:t>OP= -0.0416</a:t>
+            </a:r>
+          </a:p>
+          <a:p>
+            <a:pPr marL="285750" indent="-228600">
+              <a:lnSpc>
+                <a:spcPct val="90000"/>
+              </a:lnSpc>
+              <a:spcAft>
+                <a:spcPts val="600"/>
+              </a:spcAft>
+              <a:buFont typeface="Arial" panose="020B0604020202020204" pitchFamily="34" charset="0"/>
+              <a:buChar char="•"/>
+            </a:pPr>
+            <a:r>
+              <a:rPr lang="en-US" sz="1500" dirty="0"/>
+              <a:t>OP^2= -0.0038</a:t>
+            </a:r>
+          </a:p>
+          <a:p>
+            <a:pPr marL="285750" indent="-228600">
+              <a:lnSpc>
+                <a:spcPct val="90000"/>
+              </a:lnSpc>
+              <a:spcAft>
+                <a:spcPts val="600"/>
+              </a:spcAft>
+              <a:buFont typeface="Arial" panose="020B0604020202020204" pitchFamily="34" charset="0"/>
+              <a:buChar char="•"/>
+            </a:pPr>
+            <a:r>
+              <a:rPr lang="en-US" sz="1500" dirty="0"/>
+              <a:t>List= 0.0133</a:t>
+            </a:r>
+          </a:p>
+          <a:p>
+            <a:pPr marL="285750" indent="-228600">
+              <a:lnSpc>
+                <a:spcPct val="90000"/>
+              </a:lnSpc>
+              <a:spcAft>
+                <a:spcPts val="600"/>
+              </a:spcAft>
+              <a:buFont typeface="Arial" panose="020B0604020202020204" pitchFamily="34" charset="0"/>
+              <a:buChar char="•"/>
+            </a:pPr>
+            <a:r>
+              <a:rPr lang="en-US" sz="1500" dirty="0"/>
+              <a:t>List^2= -0.0012</a:t>
+            </a:r>
+          </a:p>
+          <a:p>
+            <a:pPr indent="-228600">
+              <a:lnSpc>
+                <a:spcPct val="90000"/>
+              </a:lnSpc>
+              <a:spcAft>
+                <a:spcPts val="600"/>
+              </a:spcAft>
+              <a:buFont typeface="Arial" panose="020B0604020202020204" pitchFamily="34" charset="0"/>
+              <a:buChar char="•"/>
+            </a:pPr>
+            <a:r>
+              <a:rPr lang="en-US" sz="1500" b="1" dirty="0"/>
+              <a:t>P Values</a:t>
+            </a:r>
+            <a:r>
+              <a:rPr lang="en-US" sz="1500" dirty="0"/>
+              <a:t> </a:t>
+            </a:r>
+          </a:p>
+          <a:p>
+            <a:pPr marL="285750" indent="-228600">
+              <a:lnSpc>
+                <a:spcPct val="90000"/>
+              </a:lnSpc>
+              <a:spcAft>
+                <a:spcPts val="600"/>
+              </a:spcAft>
+              <a:buFont typeface="Arial" panose="020B0604020202020204" pitchFamily="34" charset="0"/>
+              <a:buChar char="•"/>
+            </a:pPr>
+            <a:r>
+              <a:rPr lang="en-US" sz="1500" dirty="0"/>
+              <a:t>OP= 0.02*</a:t>
+            </a:r>
+          </a:p>
+          <a:p>
+            <a:pPr marL="285750" indent="-228600">
+              <a:lnSpc>
+                <a:spcPct val="90000"/>
+              </a:lnSpc>
+              <a:spcAft>
+                <a:spcPts val="600"/>
+              </a:spcAft>
+              <a:buFont typeface="Arial" panose="020B0604020202020204" pitchFamily="34" charset="0"/>
+              <a:buChar char="•"/>
+            </a:pPr>
+            <a:r>
+              <a:rPr lang="en-US" sz="1500" dirty="0"/>
+              <a:t>OP2 &lt; 0.001***</a:t>
+            </a:r>
+          </a:p>
+          <a:p>
+            <a:pPr marL="285750" indent="-228600">
+              <a:lnSpc>
+                <a:spcPct val="90000"/>
+              </a:lnSpc>
+              <a:spcAft>
+                <a:spcPts val="600"/>
+              </a:spcAft>
+              <a:buFont typeface="Arial" panose="020B0604020202020204" pitchFamily="34" charset="0"/>
+              <a:buChar char="•"/>
+            </a:pPr>
+            <a:r>
+              <a:rPr lang="en-US" sz="1500" dirty="0"/>
+              <a:t>List= 0.44</a:t>
+            </a:r>
+          </a:p>
+          <a:p>
+            <a:pPr marL="285750" indent="-228600">
+              <a:lnSpc>
+                <a:spcPct val="90000"/>
+              </a:lnSpc>
+              <a:spcAft>
+                <a:spcPts val="600"/>
+              </a:spcAft>
+              <a:buFont typeface="Arial" panose="020B0604020202020204" pitchFamily="34" charset="0"/>
+              <a:buChar char="•"/>
+            </a:pPr>
+            <a:r>
+              <a:rPr lang="en-US" sz="1500" dirty="0"/>
+              <a:t>List2= 0.217</a:t>
+            </a:r>
           </a:p>
         </p:txBody>
       </p:sp>
@@ -3496,9 +4001,12 @@
         </p:blipFill>
         <p:spPr>
           <a:xfrm>
-            <a:off x="2898780" y="1825625"/>
-            <a:ext cx="6394439" cy="4351338"/>
+            <a:off x="4654296" y="1081735"/>
+            <a:ext cx="6903720" cy="4694529"/>
           </a:xfrm>
+          <a:prstGeom prst="rect">
+            <a:avLst/>
+          </a:prstGeom>
         </p:spPr>
       </p:pic>
     </p:spTree>
@@ -3517,6 +4025,14 @@
 <file path=ppt/slides/slide3.xml><?xml version="1.0" encoding="utf-8"?>
 <p:sld xmlns:a="http://schemas.openxmlformats.org/drawingml/2006/main" xmlns:r="http://schemas.openxmlformats.org/officeDocument/2006/relationships" xmlns:p="http://schemas.openxmlformats.org/presentationml/2006/main">
   <p:cSld>
+    <p:bg>
+      <p:bgPr>
+        <a:solidFill>
+          <a:schemeClr val="bg1"/>
+        </a:solidFill>
+        <a:effectLst/>
+      </p:bgPr>
+    </p:bg>
     <p:spTree>
       <p:nvGrpSpPr>
         <p:cNvPr id="1" name=""/>
@@ -3531,111 +4047,556 @@
           <a:chExt cx="0" cy="0"/>
         </a:xfrm>
       </p:grpSpPr>
-      <p:sp>
-        <p:nvSpPr>
-          <p:cNvPr id="2" name="Title 1">
-            <a:extLst>
-              <a:ext uri="{FF2B5EF4-FFF2-40B4-BE49-F238E27FC236}">
-                <a16:creationId xmlns:a16="http://schemas.microsoft.com/office/drawing/2014/main" id="{7B24C3DD-E387-EE4D-9177-6AA0709E4E40}"/>
-              </a:ext>
-            </a:extLst>
-          </p:cNvPr>
-          <p:cNvSpPr>
-            <a:spLocks noGrp="1"/>
-          </p:cNvSpPr>
-          <p:nvPr>
-            <p:ph type="title"/>
-          </p:nvPr>
-        </p:nvSpPr>
-        <p:spPr/>
-        <p:txBody>
-          <a:bodyPr>
-            <a:normAutofit fontScale="90000"/>
+      <p:sp useBgFill="1">
+        <p:nvSpPr>
+          <p:cNvPr id="17" name="Rectangle 12">
+            <a:extLst>
+              <a:ext uri="{FF2B5EF4-FFF2-40B4-BE49-F238E27FC236}">
+                <a16:creationId xmlns:a16="http://schemas.microsoft.com/office/drawing/2014/main" id="{2B97F24A-32CE-4C1C-A50D-3016B394DCFB}"/>
+              </a:ext>
+              <a:ext uri="{C183D7F6-B498-43B3-948B-1728B52AA6E4}">
+                <adec:decorative xmlns:adec="http://schemas.microsoft.com/office/drawing/2017/decorative" val="1"/>
+              </a:ext>
+            </a:extLst>
+          </p:cNvPr>
+          <p:cNvSpPr>
+            <a:spLocks noGrp="1" noRot="1" noChangeAspect="1" noMove="1" noResize="1" noEditPoints="1" noAdjustHandles="1" noChangeArrowheads="1" noChangeShapeType="1" noTextEdit="1"/>
+          </p:cNvSpPr>
+          <p:nvPr>
+            <p:extLst>
+              <p:ext uri="{386F3935-93C4-4BCD-93E2-E3B085C9AB24}">
+                <p16:designElem xmlns:p16="http://schemas.microsoft.com/office/powerpoint/2015/main" val="1"/>
+              </p:ext>
+            </p:extLst>
+          </p:nvPr>
+        </p:nvSpPr>
+        <p:spPr>
+          <a:xfrm>
+            <a:off x="0" y="0"/>
+            <a:ext cx="12192000" cy="6858000"/>
+          </a:xfrm>
+          <a:prstGeom prst="rect">
+            <a:avLst/>
+          </a:prstGeom>
+          <a:ln>
+            <a:noFill/>
+          </a:ln>
+        </p:spPr>
+        <p:style>
+          <a:lnRef idx="2">
+            <a:schemeClr val="accent1">
+              <a:shade val="50000"/>
+            </a:schemeClr>
+          </a:lnRef>
+          <a:fillRef idx="1">
+            <a:schemeClr val="accent1"/>
+          </a:fillRef>
+          <a:effectRef idx="0">
+            <a:schemeClr val="accent1"/>
+          </a:effectRef>
+          <a:fontRef idx="minor">
+            <a:schemeClr val="lt1"/>
+          </a:fontRef>
+        </p:style>
+        <p:txBody>
+          <a:bodyPr rtlCol="0" anchor="ctr"/>
+          <a:lstStyle/>
+          <a:p>
+            <a:pPr algn="ctr"/>
+            <a:endParaRPr lang="en-US"/>
+          </a:p>
+        </p:txBody>
+      </p:sp>
+      <p:sp>
+        <p:nvSpPr>
+          <p:cNvPr id="18" name="sketch line">
+            <a:extLst>
+              <a:ext uri="{FF2B5EF4-FFF2-40B4-BE49-F238E27FC236}">
+                <a16:creationId xmlns:a16="http://schemas.microsoft.com/office/drawing/2014/main" id="{CD8B4F24-440B-49E9-B85D-733523DC064B}"/>
+              </a:ext>
+              <a:ext uri="{C183D7F6-B498-43B3-948B-1728B52AA6E4}">
+                <adec:decorative xmlns:adec="http://schemas.microsoft.com/office/drawing/2017/decorative" val="1"/>
+              </a:ext>
+            </a:extLst>
+          </p:cNvPr>
+          <p:cNvSpPr>
+            <a:spLocks noGrp="1" noRot="1" noChangeAspect="1" noMove="1" noResize="1" noEditPoints="1" noAdjustHandles="1" noChangeArrowheads="1" noChangeShapeType="1" noTextEdit="1"/>
+          </p:cNvSpPr>
+          <p:nvPr>
+            <p:extLst>
+              <p:ext uri="{386F3935-93C4-4BCD-93E2-E3B085C9AB24}">
+                <p16:designElem xmlns:p16="http://schemas.microsoft.com/office/powerpoint/2015/main" val="1"/>
+              </p:ext>
+            </p:extLst>
+          </p:nvPr>
+        </p:nvSpPr>
+        <p:spPr>
+          <a:xfrm>
+            <a:off x="643278" y="2573756"/>
+            <a:ext cx="3255095" cy="18288"/>
+          </a:xfrm>
+          <a:custGeom>
+            <a:avLst/>
+            <a:gdLst>
+              <a:gd name="connsiteX0" fmla="*/ 0 w 3255095"/>
+              <a:gd name="connsiteY0" fmla="*/ 0 h 18288"/>
+              <a:gd name="connsiteX1" fmla="*/ 618468 w 3255095"/>
+              <a:gd name="connsiteY1" fmla="*/ 0 h 18288"/>
+              <a:gd name="connsiteX2" fmla="*/ 1269487 w 3255095"/>
+              <a:gd name="connsiteY2" fmla="*/ 0 h 18288"/>
+              <a:gd name="connsiteX3" fmla="*/ 1953057 w 3255095"/>
+              <a:gd name="connsiteY3" fmla="*/ 0 h 18288"/>
+              <a:gd name="connsiteX4" fmla="*/ 2636627 w 3255095"/>
+              <a:gd name="connsiteY4" fmla="*/ 0 h 18288"/>
+              <a:gd name="connsiteX5" fmla="*/ 3255095 w 3255095"/>
+              <a:gd name="connsiteY5" fmla="*/ 0 h 18288"/>
+              <a:gd name="connsiteX6" fmla="*/ 3255095 w 3255095"/>
+              <a:gd name="connsiteY6" fmla="*/ 18288 h 18288"/>
+              <a:gd name="connsiteX7" fmla="*/ 2538974 w 3255095"/>
+              <a:gd name="connsiteY7" fmla="*/ 18288 h 18288"/>
+              <a:gd name="connsiteX8" fmla="*/ 1822853 w 3255095"/>
+              <a:gd name="connsiteY8" fmla="*/ 18288 h 18288"/>
+              <a:gd name="connsiteX9" fmla="*/ 1171834 w 3255095"/>
+              <a:gd name="connsiteY9" fmla="*/ 18288 h 18288"/>
+              <a:gd name="connsiteX10" fmla="*/ 0 w 3255095"/>
+              <a:gd name="connsiteY10" fmla="*/ 18288 h 18288"/>
+              <a:gd name="connsiteX11" fmla="*/ 0 w 3255095"/>
+              <a:gd name="connsiteY11" fmla="*/ 0 h 18288"/>
+            </a:gdLst>
+            <a:ahLst/>
+            <a:cxnLst>
+              <a:cxn ang="0">
+                <a:pos x="connsiteX0" y="connsiteY0"/>
+              </a:cxn>
+              <a:cxn ang="0">
+                <a:pos x="connsiteX1" y="connsiteY1"/>
+              </a:cxn>
+              <a:cxn ang="0">
+                <a:pos x="connsiteX2" y="connsiteY2"/>
+              </a:cxn>
+              <a:cxn ang="0">
+                <a:pos x="connsiteX3" y="connsiteY3"/>
+              </a:cxn>
+              <a:cxn ang="0">
+                <a:pos x="connsiteX4" y="connsiteY4"/>
+              </a:cxn>
+              <a:cxn ang="0">
+                <a:pos x="connsiteX5" y="connsiteY5"/>
+              </a:cxn>
+              <a:cxn ang="0">
+                <a:pos x="connsiteX6" y="connsiteY6"/>
+              </a:cxn>
+              <a:cxn ang="0">
+                <a:pos x="connsiteX7" y="connsiteY7"/>
+              </a:cxn>
+              <a:cxn ang="0">
+                <a:pos x="connsiteX8" y="connsiteY8"/>
+              </a:cxn>
+              <a:cxn ang="0">
+                <a:pos x="connsiteX9" y="connsiteY9"/>
+              </a:cxn>
+              <a:cxn ang="0">
+                <a:pos x="connsiteX10" y="connsiteY10"/>
+              </a:cxn>
+              <a:cxn ang="0">
+                <a:pos x="connsiteX11" y="connsiteY11"/>
+              </a:cxn>
+            </a:cxnLst>
+            <a:rect l="l" t="t" r="r" b="b"/>
+            <a:pathLst>
+              <a:path w="3255095" h="18288" fill="none" extrusionOk="0">
+                <a:moveTo>
+                  <a:pt x="0" y="0"/>
+                </a:moveTo>
+                <a:cubicBezTo>
+                  <a:pt x="240201" y="-22123"/>
+                  <a:pt x="462021" y="-19623"/>
+                  <a:pt x="618468" y="0"/>
+                </a:cubicBezTo>
+                <a:cubicBezTo>
+                  <a:pt x="774915" y="19623"/>
+                  <a:pt x="974734" y="2035"/>
+                  <a:pt x="1269487" y="0"/>
+                </a:cubicBezTo>
+                <a:cubicBezTo>
+                  <a:pt x="1564240" y="-2035"/>
+                  <a:pt x="1733579" y="10639"/>
+                  <a:pt x="1953057" y="0"/>
+                </a:cubicBezTo>
+                <a:cubicBezTo>
+                  <a:pt x="2172535" y="-10639"/>
+                  <a:pt x="2453962" y="14018"/>
+                  <a:pt x="2636627" y="0"/>
+                </a:cubicBezTo>
+                <a:cubicBezTo>
+                  <a:pt x="2819292" y="-14018"/>
+                  <a:pt x="3121375" y="5399"/>
+                  <a:pt x="3255095" y="0"/>
+                </a:cubicBezTo>
+                <a:cubicBezTo>
+                  <a:pt x="3254386" y="8157"/>
+                  <a:pt x="3254682" y="12125"/>
+                  <a:pt x="3255095" y="18288"/>
+                </a:cubicBezTo>
+                <a:cubicBezTo>
+                  <a:pt x="3088545" y="23203"/>
+                  <a:pt x="2687475" y="7419"/>
+                  <a:pt x="2538974" y="18288"/>
+                </a:cubicBezTo>
+                <a:cubicBezTo>
+                  <a:pt x="2390473" y="29157"/>
+                  <a:pt x="2137381" y="-8959"/>
+                  <a:pt x="1822853" y="18288"/>
+                </a:cubicBezTo>
+                <a:cubicBezTo>
+                  <a:pt x="1508325" y="45535"/>
+                  <a:pt x="1466437" y="20385"/>
+                  <a:pt x="1171834" y="18288"/>
+                </a:cubicBezTo>
+                <a:cubicBezTo>
+                  <a:pt x="877231" y="16191"/>
+                  <a:pt x="561097" y="37643"/>
+                  <a:pt x="0" y="18288"/>
+                </a:cubicBezTo>
+                <a:cubicBezTo>
+                  <a:pt x="-46" y="12483"/>
+                  <a:pt x="-203" y="6491"/>
+                  <a:pt x="0" y="0"/>
+                </a:cubicBezTo>
+                <a:close/>
+              </a:path>
+              <a:path w="3255095" h="18288" stroke="0" extrusionOk="0">
+                <a:moveTo>
+                  <a:pt x="0" y="0"/>
+                </a:moveTo>
+                <a:cubicBezTo>
+                  <a:pt x="291965" y="19429"/>
+                  <a:pt x="363155" y="8568"/>
+                  <a:pt x="618468" y="0"/>
+                </a:cubicBezTo>
+                <a:cubicBezTo>
+                  <a:pt x="873781" y="-8568"/>
+                  <a:pt x="904459" y="-19505"/>
+                  <a:pt x="1171834" y="0"/>
+                </a:cubicBezTo>
+                <a:cubicBezTo>
+                  <a:pt x="1439209" y="19505"/>
+                  <a:pt x="1744369" y="9790"/>
+                  <a:pt x="1887955" y="0"/>
+                </a:cubicBezTo>
+                <a:cubicBezTo>
+                  <a:pt x="2031541" y="-9790"/>
+                  <a:pt x="2346378" y="21240"/>
+                  <a:pt x="2506423" y="0"/>
+                </a:cubicBezTo>
+                <a:cubicBezTo>
+                  <a:pt x="2666468" y="-21240"/>
+                  <a:pt x="2990257" y="30414"/>
+                  <a:pt x="3255095" y="0"/>
+                </a:cubicBezTo>
+                <a:cubicBezTo>
+                  <a:pt x="3254831" y="4493"/>
+                  <a:pt x="3255479" y="9472"/>
+                  <a:pt x="3255095" y="18288"/>
+                </a:cubicBezTo>
+                <a:cubicBezTo>
+                  <a:pt x="3120743" y="16690"/>
+                  <a:pt x="2759628" y="42462"/>
+                  <a:pt x="2604076" y="18288"/>
+                </a:cubicBezTo>
+                <a:cubicBezTo>
+                  <a:pt x="2448524" y="-5886"/>
+                  <a:pt x="2184336" y="19599"/>
+                  <a:pt x="1887955" y="18288"/>
+                </a:cubicBezTo>
+                <a:cubicBezTo>
+                  <a:pt x="1591574" y="16977"/>
+                  <a:pt x="1548845" y="6870"/>
+                  <a:pt x="1334589" y="18288"/>
+                </a:cubicBezTo>
+                <a:cubicBezTo>
+                  <a:pt x="1120333" y="29706"/>
+                  <a:pt x="996014" y="9662"/>
+                  <a:pt x="683570" y="18288"/>
+                </a:cubicBezTo>
+                <a:cubicBezTo>
+                  <a:pt x="371126" y="26914"/>
+                  <a:pt x="198687" y="16167"/>
+                  <a:pt x="0" y="18288"/>
+                </a:cubicBezTo>
+                <a:cubicBezTo>
+                  <a:pt x="843" y="9577"/>
+                  <a:pt x="371" y="6900"/>
+                  <a:pt x="0" y="0"/>
+                </a:cubicBezTo>
+                <a:close/>
+              </a:path>
+            </a:pathLst>
+          </a:custGeom>
+          <a:solidFill>
+            <a:schemeClr val="accent2"/>
+          </a:solidFill>
+          <a:ln w="38100" cap="rnd">
+            <a:solidFill>
+              <a:schemeClr val="accent2"/>
+            </a:solidFill>
+            <a:round/>
+            <a:extLst>
+              <a:ext uri="{C807C97D-BFC1-408E-A445-0C87EB9F89A2}">
+                <ask:lineSketchStyleProps xmlns:ask="http://schemas.microsoft.com/office/drawing/2018/sketchyshapes" sd="1219033472">
+                  <a:prstGeom prst="rect">
+                    <a:avLst/>
+                  </a:prstGeom>
+                  <ask:type>
+                    <ask:lineSketchFreehand/>
+                  </ask:type>
+                </ask:lineSketchStyleProps>
+              </a:ext>
+            </a:extLst>
+          </a:ln>
+        </p:spPr>
+        <p:style>
+          <a:lnRef idx="2">
+            <a:schemeClr val="accent1">
+              <a:shade val="50000"/>
+            </a:schemeClr>
+          </a:lnRef>
+          <a:fillRef idx="1">
+            <a:schemeClr val="accent1"/>
+          </a:fillRef>
+          <a:effectRef idx="0">
+            <a:schemeClr val="accent1"/>
+          </a:effectRef>
+          <a:fontRef idx="minor">
+            <a:schemeClr val="lt1"/>
+          </a:fontRef>
+        </p:style>
+        <p:txBody>
+          <a:bodyPr rtlCol="0" anchor="ctr"/>
+          <a:lstStyle/>
+          <a:p>
+            <a:pPr algn="ctr"/>
+            <a:endParaRPr lang="en-US"/>
+          </a:p>
+        </p:txBody>
+      </p:sp>
+      <p:sp>
+        <p:nvSpPr>
+          <p:cNvPr id="8" name="TextBox 7">
+            <a:extLst>
+              <a:ext uri="{FF2B5EF4-FFF2-40B4-BE49-F238E27FC236}">
+                <a16:creationId xmlns:a16="http://schemas.microsoft.com/office/drawing/2014/main" id="{843DBDB7-7BFC-6C4A-A1AC-6624F6374C69}"/>
+              </a:ext>
+            </a:extLst>
+          </p:cNvPr>
+          <p:cNvSpPr txBox="1"/>
+          <p:nvPr/>
+        </p:nvSpPr>
+        <p:spPr>
+          <a:xfrm>
+            <a:off x="630936" y="2807208"/>
+            <a:ext cx="3429000" cy="3410712"/>
+          </a:xfrm>
+          <a:prstGeom prst="rect">
+            <a:avLst/>
+          </a:prstGeom>
+        </p:spPr>
+        <p:txBody>
+          <a:bodyPr vert="horz" lIns="91440" tIns="45720" rIns="91440" bIns="45720" rtlCol="0" anchor="t">
+            <a:normAutofit/>
           </a:bodyPr>
           <a:lstStyle/>
           <a:p>
-            <a:r>
-              <a:rPr lang="en-US" sz="2400" dirty="0"/>
-              <a:t>BIC = 23063.7, R^2= 0.146, </a:t>
-            </a:r>
-            <a:br>
-              <a:rPr lang="en-US" sz="2400" dirty="0"/>
-            </a:br>
-            <a:r>
-              <a:rPr lang="en-US" sz="2400" dirty="0"/>
-              <a:t>Lag(p</a:t>
-            </a:r>
-            <a:r>
-              <a:rPr lang="en-US" sz="2400"/>
-              <a:t>)= 0.317,  </a:t>
-            </a:r>
-            <a:r>
-              <a:rPr lang="en-US" sz="2400" dirty="0"/>
-              <a:t>Lag^2 (p)= &lt;</a:t>
-            </a:r>
-            <a:r>
-              <a:rPr lang="en-US" sz="2400"/>
-              <a:t>0.001***, </a:t>
-            </a:r>
-            <a:r>
-              <a:rPr lang="en-US" sz="2400" dirty="0"/>
-              <a:t>List (p</a:t>
-            </a:r>
-            <a:r>
-              <a:rPr lang="en-US" sz="2400"/>
-              <a:t>)= 0.321, </a:t>
-            </a:r>
-            <a:r>
-              <a:rPr lang="en-US" sz="2400" dirty="0"/>
-              <a:t>List^2 (p</a:t>
-            </a:r>
-            <a:r>
-              <a:rPr lang="en-US" sz="2400"/>
-              <a:t>)= 0.136</a:t>
-            </a:r>
-            <a:br>
-              <a:rPr lang="en-US" sz="2400" dirty="0"/>
-            </a:br>
-            <a:r>
-              <a:rPr lang="el-GR" sz="2400" dirty="0"/>
-              <a:t>β_</a:t>
-            </a:r>
-            <a:r>
-              <a:rPr lang="en-US" sz="2400" dirty="0"/>
-              <a:t>OP= -0.04, </a:t>
-            </a:r>
-            <a:r>
-              <a:rPr lang="el-GR" sz="2400" dirty="0"/>
-              <a:t>β</a:t>
-            </a:r>
-            <a:r>
-              <a:rPr lang="en-US" sz="2400" dirty="0"/>
-              <a:t>_op2= -0.004, </a:t>
-            </a:r>
-            <a:r>
-              <a:rPr lang="el-GR" sz="2400" dirty="0"/>
-              <a:t>β_</a:t>
-            </a:r>
-            <a:r>
-              <a:rPr lang="en-US" sz="2400" dirty="0"/>
-              <a:t>list= 0.017, </a:t>
-            </a:r>
-            <a:r>
-              <a:rPr lang="el-GR" sz="2400" dirty="0"/>
-              <a:t>β_</a:t>
-            </a:r>
-            <a:r>
-              <a:rPr lang="en-US" sz="2400" dirty="0"/>
-              <a:t>list2= -0.001</a:t>
-            </a:r>
-            <a:r>
-              <a:rPr lang="el-GR" sz="2400" dirty="0"/>
-              <a:t>5</a:t>
-            </a:r>
-            <a:br>
-              <a:rPr lang="en-US" sz="2200" dirty="0"/>
-            </a:br>
-            <a:endParaRPr lang="en-US" sz="2200" dirty="0"/>
+            <a:pPr indent="-228600">
+              <a:lnSpc>
+                <a:spcPct val="90000"/>
+              </a:lnSpc>
+              <a:spcAft>
+                <a:spcPts val="600"/>
+              </a:spcAft>
+              <a:buFont typeface="Arial" panose="020B0604020202020204" pitchFamily="34" charset="0"/>
+              <a:buChar char="•"/>
+            </a:pPr>
+            <a:r>
+              <a:rPr lang="en-US" sz="1500" dirty="0"/>
+              <a:t>BIC:23063.7</a:t>
+            </a:r>
+          </a:p>
+          <a:p>
+            <a:pPr indent="-228600">
+              <a:lnSpc>
+                <a:spcPct val="90000"/>
+              </a:lnSpc>
+              <a:spcAft>
+                <a:spcPts val="600"/>
+              </a:spcAft>
+              <a:buFont typeface="Arial" panose="020B0604020202020204" pitchFamily="34" charset="0"/>
+              <a:buChar char="•"/>
+            </a:pPr>
+            <a:r>
+              <a:rPr lang="en-US" sz="1500" dirty="0"/>
+              <a:t>R^2: 0.14613</a:t>
+            </a:r>
+          </a:p>
+          <a:p>
+            <a:pPr>
+              <a:lnSpc>
+                <a:spcPct val="90000"/>
+              </a:lnSpc>
+              <a:spcAft>
+                <a:spcPts val="600"/>
+              </a:spcAft>
+            </a:pPr>
+            <a:r>
+              <a:rPr lang="en-US" sz="1500" b="1" dirty="0"/>
+              <a:t>Betas</a:t>
+            </a:r>
+          </a:p>
+          <a:p>
+            <a:pPr marL="285750" indent="-228600">
+              <a:lnSpc>
+                <a:spcPct val="90000"/>
+              </a:lnSpc>
+              <a:spcAft>
+                <a:spcPts val="600"/>
+              </a:spcAft>
+              <a:buFont typeface="Arial" panose="020B0604020202020204" pitchFamily="34" charset="0"/>
+              <a:buChar char="•"/>
+            </a:pPr>
+            <a:r>
+              <a:rPr lang="en-US" sz="1500" dirty="0"/>
+              <a:t>Lag= -0.0416</a:t>
+            </a:r>
+          </a:p>
+          <a:p>
+            <a:pPr marL="285750" indent="-228600">
+              <a:lnSpc>
+                <a:spcPct val="90000"/>
+              </a:lnSpc>
+              <a:spcAft>
+                <a:spcPts val="600"/>
+              </a:spcAft>
+              <a:buFont typeface="Arial" panose="020B0604020202020204" pitchFamily="34" charset="0"/>
+              <a:buChar char="•"/>
+            </a:pPr>
+            <a:r>
+              <a:rPr lang="en-US" sz="1500" dirty="0"/>
+              <a:t>Lag^2= -0.0038</a:t>
+            </a:r>
+          </a:p>
+          <a:p>
+            <a:pPr marL="285750" indent="-228600">
+              <a:lnSpc>
+                <a:spcPct val="90000"/>
+              </a:lnSpc>
+              <a:spcAft>
+                <a:spcPts val="600"/>
+              </a:spcAft>
+              <a:buFont typeface="Arial" panose="020B0604020202020204" pitchFamily="34" charset="0"/>
+              <a:buChar char="•"/>
+            </a:pPr>
+            <a:r>
+              <a:rPr lang="en-US" sz="1500" dirty="0"/>
+              <a:t>List= 0.0172</a:t>
+            </a:r>
+          </a:p>
+          <a:p>
+            <a:pPr marL="285750" indent="-228600">
+              <a:lnSpc>
+                <a:spcPct val="90000"/>
+              </a:lnSpc>
+              <a:spcAft>
+                <a:spcPts val="600"/>
+              </a:spcAft>
+              <a:buFont typeface="Arial" panose="020B0604020202020204" pitchFamily="34" charset="0"/>
+              <a:buChar char="•"/>
+            </a:pPr>
+            <a:r>
+              <a:rPr lang="en-US" sz="1500" dirty="0"/>
+              <a:t>List^2= -0.0015</a:t>
+            </a:r>
+          </a:p>
+          <a:p>
+            <a:pPr marL="57150">
+              <a:lnSpc>
+                <a:spcPct val="90000"/>
+              </a:lnSpc>
+              <a:spcAft>
+                <a:spcPts val="600"/>
+              </a:spcAft>
+            </a:pPr>
+            <a:r>
+              <a:rPr lang="en-US" sz="1500" b="1" dirty="0"/>
+              <a:t>P Values</a:t>
+            </a:r>
+            <a:r>
+              <a:rPr lang="en-US" sz="1500" dirty="0"/>
+              <a:t> </a:t>
+            </a:r>
+          </a:p>
+          <a:p>
+            <a:pPr marL="285750" indent="-228600">
+              <a:lnSpc>
+                <a:spcPct val="90000"/>
+              </a:lnSpc>
+              <a:spcAft>
+                <a:spcPts val="600"/>
+              </a:spcAft>
+              <a:buFont typeface="Arial" panose="020B0604020202020204" pitchFamily="34" charset="0"/>
+              <a:buChar char="•"/>
+            </a:pPr>
+            <a:r>
+              <a:rPr lang="en-US" sz="1500" dirty="0"/>
+              <a:t>Lag= 0.317</a:t>
+            </a:r>
+          </a:p>
+          <a:p>
+            <a:pPr marL="285750" indent="-228600">
+              <a:lnSpc>
+                <a:spcPct val="90000"/>
+              </a:lnSpc>
+              <a:spcAft>
+                <a:spcPts val="600"/>
+              </a:spcAft>
+              <a:buFont typeface="Arial" panose="020B0604020202020204" pitchFamily="34" charset="0"/>
+              <a:buChar char="•"/>
+            </a:pPr>
+            <a:r>
+              <a:rPr lang="en-US" sz="1500" dirty="0"/>
+              <a:t>Lag2 &lt; 0.001***</a:t>
+            </a:r>
+          </a:p>
+          <a:p>
+            <a:pPr marL="285750" indent="-228600">
+              <a:lnSpc>
+                <a:spcPct val="90000"/>
+              </a:lnSpc>
+              <a:spcAft>
+                <a:spcPts val="600"/>
+              </a:spcAft>
+              <a:buFont typeface="Arial" panose="020B0604020202020204" pitchFamily="34" charset="0"/>
+              <a:buChar char="•"/>
+            </a:pPr>
+            <a:r>
+              <a:rPr lang="en-US" sz="1500" dirty="0"/>
+              <a:t>List= 0.321</a:t>
+            </a:r>
+          </a:p>
+          <a:p>
+            <a:pPr marL="285750" indent="-228600">
+              <a:lnSpc>
+                <a:spcPct val="90000"/>
+              </a:lnSpc>
+              <a:spcAft>
+                <a:spcPts val="600"/>
+              </a:spcAft>
+              <a:buFont typeface="Arial" panose="020B0604020202020204" pitchFamily="34" charset="0"/>
+              <a:buChar char="•"/>
+            </a:pPr>
+            <a:r>
+              <a:rPr lang="en-US" sz="1500" dirty="0"/>
+              <a:t>List2= 0.136</a:t>
+            </a:r>
           </a:p>
         </p:txBody>
       </p:sp>
@@ -3663,9 +4624,12 @@
         </p:blipFill>
         <p:spPr>
           <a:xfrm>
-            <a:off x="2898780" y="1825625"/>
-            <a:ext cx="6394439" cy="4351338"/>
+            <a:off x="4654296" y="1081735"/>
+            <a:ext cx="6903720" cy="4694529"/>
           </a:xfrm>
+          <a:prstGeom prst="rect">
+            <a:avLst/>
+          </a:prstGeom>
         </p:spPr>
       </p:pic>
     </p:spTree>
@@ -3684,6 +4648,14 @@
 <file path=ppt/slides/slide4.xml><?xml version="1.0" encoding="utf-8"?>
 <p:sld xmlns:a="http://schemas.openxmlformats.org/drawingml/2006/main" xmlns:r="http://schemas.openxmlformats.org/officeDocument/2006/relationships" xmlns:p="http://schemas.openxmlformats.org/presentationml/2006/main">
   <p:cSld>
+    <p:bg>
+      <p:bgPr>
+        <a:solidFill>
+          <a:schemeClr val="bg1"/>
+        </a:solidFill>
+        <a:effectLst/>
+      </p:bgPr>
+    </p:bg>
     <p:spTree>
       <p:nvGrpSpPr>
         <p:cNvPr id="1" name=""/>
@@ -3698,28 +4670,620 @@
           <a:chExt cx="0" cy="0"/>
         </a:xfrm>
       </p:grpSpPr>
-      <p:sp>
-        <p:nvSpPr>
-          <p:cNvPr id="2" name="Title 1">
-            <a:extLst>
-              <a:ext uri="{FF2B5EF4-FFF2-40B4-BE49-F238E27FC236}">
-                <a16:creationId xmlns:a16="http://schemas.microsoft.com/office/drawing/2014/main" id="{1C3AC9B5-5758-0044-B5A1-B9DDE0287C7F}"/>
-              </a:ext>
-            </a:extLst>
-          </p:cNvPr>
-          <p:cNvSpPr>
-            <a:spLocks noGrp="1"/>
-          </p:cNvSpPr>
-          <p:nvPr>
-            <p:ph type="title"/>
-          </p:nvPr>
-        </p:nvSpPr>
-        <p:spPr/>
-        <p:txBody>
-          <a:bodyPr/>
+      <p:sp useBgFill="1">
+        <p:nvSpPr>
+          <p:cNvPr id="14" name="Rectangle 13">
+            <a:extLst>
+              <a:ext uri="{FF2B5EF4-FFF2-40B4-BE49-F238E27FC236}">
+                <a16:creationId xmlns:a16="http://schemas.microsoft.com/office/drawing/2014/main" id="{2B97F24A-32CE-4C1C-A50D-3016B394DCFB}"/>
+              </a:ext>
+              <a:ext uri="{C183D7F6-B498-43B3-948B-1728B52AA6E4}">
+                <adec:decorative xmlns:adec="http://schemas.microsoft.com/office/drawing/2017/decorative" val="1"/>
+              </a:ext>
+            </a:extLst>
+          </p:cNvPr>
+          <p:cNvSpPr>
+            <a:spLocks noGrp="1" noRot="1" noChangeAspect="1" noMove="1" noResize="1" noEditPoints="1" noAdjustHandles="1" noChangeArrowheads="1" noChangeShapeType="1" noTextEdit="1"/>
+          </p:cNvSpPr>
+          <p:nvPr>
+            <p:extLst>
+              <p:ext uri="{386F3935-93C4-4BCD-93E2-E3B085C9AB24}">
+                <p16:designElem xmlns:p16="http://schemas.microsoft.com/office/powerpoint/2015/main" val="1"/>
+              </p:ext>
+            </p:extLst>
+          </p:nvPr>
+        </p:nvSpPr>
+        <p:spPr>
+          <a:xfrm>
+            <a:off x="0" y="0"/>
+            <a:ext cx="12192000" cy="6858000"/>
+          </a:xfrm>
+          <a:prstGeom prst="rect">
+            <a:avLst/>
+          </a:prstGeom>
+          <a:ln>
+            <a:noFill/>
+          </a:ln>
+        </p:spPr>
+        <p:style>
+          <a:lnRef idx="2">
+            <a:schemeClr val="accent1">
+              <a:shade val="50000"/>
+            </a:schemeClr>
+          </a:lnRef>
+          <a:fillRef idx="1">
+            <a:schemeClr val="accent1"/>
+          </a:fillRef>
+          <a:effectRef idx="0">
+            <a:schemeClr val="accent1"/>
+          </a:effectRef>
+          <a:fontRef idx="minor">
+            <a:schemeClr val="lt1"/>
+          </a:fontRef>
+        </p:style>
+        <p:txBody>
+          <a:bodyPr rtlCol="0" anchor="ctr"/>
           <a:lstStyle/>
           <a:p>
+            <a:pPr algn="ctr"/>
             <a:endParaRPr lang="en-US"/>
+          </a:p>
+        </p:txBody>
+      </p:sp>
+      <p:sp>
+        <p:nvSpPr>
+          <p:cNvPr id="16" name="sketch line">
+            <a:extLst>
+              <a:ext uri="{FF2B5EF4-FFF2-40B4-BE49-F238E27FC236}">
+                <a16:creationId xmlns:a16="http://schemas.microsoft.com/office/drawing/2014/main" id="{CD8B4F24-440B-49E9-B85D-733523DC064B}"/>
+              </a:ext>
+              <a:ext uri="{C183D7F6-B498-43B3-948B-1728B52AA6E4}">
+                <adec:decorative xmlns:adec="http://schemas.microsoft.com/office/drawing/2017/decorative" val="1"/>
+              </a:ext>
+            </a:extLst>
+          </p:cNvPr>
+          <p:cNvSpPr>
+            <a:spLocks noGrp="1" noRot="1" noChangeAspect="1" noMove="1" noResize="1" noEditPoints="1" noAdjustHandles="1" noChangeArrowheads="1" noChangeShapeType="1" noTextEdit="1"/>
+          </p:cNvSpPr>
+          <p:nvPr>
+            <p:extLst>
+              <p:ext uri="{386F3935-93C4-4BCD-93E2-E3B085C9AB24}">
+                <p16:designElem xmlns:p16="http://schemas.microsoft.com/office/powerpoint/2015/main" val="1"/>
+              </p:ext>
+            </p:extLst>
+          </p:nvPr>
+        </p:nvSpPr>
+        <p:spPr>
+          <a:xfrm>
+            <a:off x="643278" y="2573756"/>
+            <a:ext cx="3255095" cy="18288"/>
+          </a:xfrm>
+          <a:custGeom>
+            <a:avLst/>
+            <a:gdLst>
+              <a:gd name="connsiteX0" fmla="*/ 0 w 3255095"/>
+              <a:gd name="connsiteY0" fmla="*/ 0 h 18288"/>
+              <a:gd name="connsiteX1" fmla="*/ 618468 w 3255095"/>
+              <a:gd name="connsiteY1" fmla="*/ 0 h 18288"/>
+              <a:gd name="connsiteX2" fmla="*/ 1269487 w 3255095"/>
+              <a:gd name="connsiteY2" fmla="*/ 0 h 18288"/>
+              <a:gd name="connsiteX3" fmla="*/ 1953057 w 3255095"/>
+              <a:gd name="connsiteY3" fmla="*/ 0 h 18288"/>
+              <a:gd name="connsiteX4" fmla="*/ 2636627 w 3255095"/>
+              <a:gd name="connsiteY4" fmla="*/ 0 h 18288"/>
+              <a:gd name="connsiteX5" fmla="*/ 3255095 w 3255095"/>
+              <a:gd name="connsiteY5" fmla="*/ 0 h 18288"/>
+              <a:gd name="connsiteX6" fmla="*/ 3255095 w 3255095"/>
+              <a:gd name="connsiteY6" fmla="*/ 18288 h 18288"/>
+              <a:gd name="connsiteX7" fmla="*/ 2538974 w 3255095"/>
+              <a:gd name="connsiteY7" fmla="*/ 18288 h 18288"/>
+              <a:gd name="connsiteX8" fmla="*/ 1822853 w 3255095"/>
+              <a:gd name="connsiteY8" fmla="*/ 18288 h 18288"/>
+              <a:gd name="connsiteX9" fmla="*/ 1171834 w 3255095"/>
+              <a:gd name="connsiteY9" fmla="*/ 18288 h 18288"/>
+              <a:gd name="connsiteX10" fmla="*/ 0 w 3255095"/>
+              <a:gd name="connsiteY10" fmla="*/ 18288 h 18288"/>
+              <a:gd name="connsiteX11" fmla="*/ 0 w 3255095"/>
+              <a:gd name="connsiteY11" fmla="*/ 0 h 18288"/>
+            </a:gdLst>
+            <a:ahLst/>
+            <a:cxnLst>
+              <a:cxn ang="0">
+                <a:pos x="connsiteX0" y="connsiteY0"/>
+              </a:cxn>
+              <a:cxn ang="0">
+                <a:pos x="connsiteX1" y="connsiteY1"/>
+              </a:cxn>
+              <a:cxn ang="0">
+                <a:pos x="connsiteX2" y="connsiteY2"/>
+              </a:cxn>
+              <a:cxn ang="0">
+                <a:pos x="connsiteX3" y="connsiteY3"/>
+              </a:cxn>
+              <a:cxn ang="0">
+                <a:pos x="connsiteX4" y="connsiteY4"/>
+              </a:cxn>
+              <a:cxn ang="0">
+                <a:pos x="connsiteX5" y="connsiteY5"/>
+              </a:cxn>
+              <a:cxn ang="0">
+                <a:pos x="connsiteX6" y="connsiteY6"/>
+              </a:cxn>
+              <a:cxn ang="0">
+                <a:pos x="connsiteX7" y="connsiteY7"/>
+              </a:cxn>
+              <a:cxn ang="0">
+                <a:pos x="connsiteX8" y="connsiteY8"/>
+              </a:cxn>
+              <a:cxn ang="0">
+                <a:pos x="connsiteX9" y="connsiteY9"/>
+              </a:cxn>
+              <a:cxn ang="0">
+                <a:pos x="connsiteX10" y="connsiteY10"/>
+              </a:cxn>
+              <a:cxn ang="0">
+                <a:pos x="connsiteX11" y="connsiteY11"/>
+              </a:cxn>
+            </a:cxnLst>
+            <a:rect l="l" t="t" r="r" b="b"/>
+            <a:pathLst>
+              <a:path w="3255095" h="18288" fill="none" extrusionOk="0">
+                <a:moveTo>
+                  <a:pt x="0" y="0"/>
+                </a:moveTo>
+                <a:cubicBezTo>
+                  <a:pt x="240201" y="-22123"/>
+                  <a:pt x="462021" y="-19623"/>
+                  <a:pt x="618468" y="0"/>
+                </a:cubicBezTo>
+                <a:cubicBezTo>
+                  <a:pt x="774915" y="19623"/>
+                  <a:pt x="974734" y="2035"/>
+                  <a:pt x="1269487" y="0"/>
+                </a:cubicBezTo>
+                <a:cubicBezTo>
+                  <a:pt x="1564240" y="-2035"/>
+                  <a:pt x="1733579" y="10639"/>
+                  <a:pt x="1953057" y="0"/>
+                </a:cubicBezTo>
+                <a:cubicBezTo>
+                  <a:pt x="2172535" y="-10639"/>
+                  <a:pt x="2453962" y="14018"/>
+                  <a:pt x="2636627" y="0"/>
+                </a:cubicBezTo>
+                <a:cubicBezTo>
+                  <a:pt x="2819292" y="-14018"/>
+                  <a:pt x="3121375" y="5399"/>
+                  <a:pt x="3255095" y="0"/>
+                </a:cubicBezTo>
+                <a:cubicBezTo>
+                  <a:pt x="3254386" y="8157"/>
+                  <a:pt x="3254682" y="12125"/>
+                  <a:pt x="3255095" y="18288"/>
+                </a:cubicBezTo>
+                <a:cubicBezTo>
+                  <a:pt x="3088545" y="23203"/>
+                  <a:pt x="2687475" y="7419"/>
+                  <a:pt x="2538974" y="18288"/>
+                </a:cubicBezTo>
+                <a:cubicBezTo>
+                  <a:pt x="2390473" y="29157"/>
+                  <a:pt x="2137381" y="-8959"/>
+                  <a:pt x="1822853" y="18288"/>
+                </a:cubicBezTo>
+                <a:cubicBezTo>
+                  <a:pt x="1508325" y="45535"/>
+                  <a:pt x="1466437" y="20385"/>
+                  <a:pt x="1171834" y="18288"/>
+                </a:cubicBezTo>
+                <a:cubicBezTo>
+                  <a:pt x="877231" y="16191"/>
+                  <a:pt x="561097" y="37643"/>
+                  <a:pt x="0" y="18288"/>
+                </a:cubicBezTo>
+                <a:cubicBezTo>
+                  <a:pt x="-46" y="12483"/>
+                  <a:pt x="-203" y="6491"/>
+                  <a:pt x="0" y="0"/>
+                </a:cubicBezTo>
+                <a:close/>
+              </a:path>
+              <a:path w="3255095" h="18288" stroke="0" extrusionOk="0">
+                <a:moveTo>
+                  <a:pt x="0" y="0"/>
+                </a:moveTo>
+                <a:cubicBezTo>
+                  <a:pt x="291965" y="19429"/>
+                  <a:pt x="363155" y="8568"/>
+                  <a:pt x="618468" y="0"/>
+                </a:cubicBezTo>
+                <a:cubicBezTo>
+                  <a:pt x="873781" y="-8568"/>
+                  <a:pt x="904459" y="-19505"/>
+                  <a:pt x="1171834" y="0"/>
+                </a:cubicBezTo>
+                <a:cubicBezTo>
+                  <a:pt x="1439209" y="19505"/>
+                  <a:pt x="1744369" y="9790"/>
+                  <a:pt x="1887955" y="0"/>
+                </a:cubicBezTo>
+                <a:cubicBezTo>
+                  <a:pt x="2031541" y="-9790"/>
+                  <a:pt x="2346378" y="21240"/>
+                  <a:pt x="2506423" y="0"/>
+                </a:cubicBezTo>
+                <a:cubicBezTo>
+                  <a:pt x="2666468" y="-21240"/>
+                  <a:pt x="2990257" y="30414"/>
+                  <a:pt x="3255095" y="0"/>
+                </a:cubicBezTo>
+                <a:cubicBezTo>
+                  <a:pt x="3254831" y="4493"/>
+                  <a:pt x="3255479" y="9472"/>
+                  <a:pt x="3255095" y="18288"/>
+                </a:cubicBezTo>
+                <a:cubicBezTo>
+                  <a:pt x="3120743" y="16690"/>
+                  <a:pt x="2759628" y="42462"/>
+                  <a:pt x="2604076" y="18288"/>
+                </a:cubicBezTo>
+                <a:cubicBezTo>
+                  <a:pt x="2448524" y="-5886"/>
+                  <a:pt x="2184336" y="19599"/>
+                  <a:pt x="1887955" y="18288"/>
+                </a:cubicBezTo>
+                <a:cubicBezTo>
+                  <a:pt x="1591574" y="16977"/>
+                  <a:pt x="1548845" y="6870"/>
+                  <a:pt x="1334589" y="18288"/>
+                </a:cubicBezTo>
+                <a:cubicBezTo>
+                  <a:pt x="1120333" y="29706"/>
+                  <a:pt x="996014" y="9662"/>
+                  <a:pt x="683570" y="18288"/>
+                </a:cubicBezTo>
+                <a:cubicBezTo>
+                  <a:pt x="371126" y="26914"/>
+                  <a:pt x="198687" y="16167"/>
+                  <a:pt x="0" y="18288"/>
+                </a:cubicBezTo>
+                <a:cubicBezTo>
+                  <a:pt x="843" y="9577"/>
+                  <a:pt x="371" y="6900"/>
+                  <a:pt x="0" y="0"/>
+                </a:cubicBezTo>
+                <a:close/>
+              </a:path>
+            </a:pathLst>
+          </a:custGeom>
+          <a:solidFill>
+            <a:schemeClr val="accent2"/>
+          </a:solidFill>
+          <a:ln w="38100" cap="rnd">
+            <a:solidFill>
+              <a:schemeClr val="accent2"/>
+            </a:solidFill>
+            <a:round/>
+            <a:extLst>
+              <a:ext uri="{C807C97D-BFC1-408E-A445-0C87EB9F89A2}">
+                <ask:lineSketchStyleProps xmlns:ask="http://schemas.microsoft.com/office/drawing/2018/sketchyshapes" sd="1219033472">
+                  <a:prstGeom prst="rect">
+                    <a:avLst/>
+                  </a:prstGeom>
+                  <ask:type>
+                    <ask:lineSketchFreehand/>
+                  </ask:type>
+                </ask:lineSketchStyleProps>
+              </a:ext>
+            </a:extLst>
+          </a:ln>
+        </p:spPr>
+        <p:style>
+          <a:lnRef idx="2">
+            <a:schemeClr val="accent1">
+              <a:shade val="50000"/>
+            </a:schemeClr>
+          </a:lnRef>
+          <a:fillRef idx="1">
+            <a:schemeClr val="accent1"/>
+          </a:fillRef>
+          <a:effectRef idx="0">
+            <a:schemeClr val="accent1"/>
+          </a:effectRef>
+          <a:fontRef idx="minor">
+            <a:schemeClr val="lt1"/>
+          </a:fontRef>
+        </p:style>
+        <p:txBody>
+          <a:bodyPr rtlCol="0" anchor="ctr"/>
+          <a:lstStyle/>
+          <a:p>
+            <a:pPr algn="ctr"/>
+            <a:endParaRPr lang="en-US"/>
+          </a:p>
+        </p:txBody>
+      </p:sp>
+      <p:sp>
+        <p:nvSpPr>
+          <p:cNvPr id="9" name="TextBox 8">
+            <a:extLst>
+              <a:ext uri="{FF2B5EF4-FFF2-40B4-BE49-F238E27FC236}">
+                <a16:creationId xmlns:a16="http://schemas.microsoft.com/office/drawing/2014/main" id="{8BCBA150-6891-3B4F-BC44-14671D8C6AFC}"/>
+              </a:ext>
+            </a:extLst>
+          </p:cNvPr>
+          <p:cNvSpPr txBox="1"/>
+          <p:nvPr/>
+        </p:nvSpPr>
+        <p:spPr>
+          <a:xfrm>
+            <a:off x="630936" y="2807208"/>
+            <a:ext cx="3429000" cy="3410712"/>
+          </a:xfrm>
+          <a:prstGeom prst="rect">
+            <a:avLst/>
+          </a:prstGeom>
+        </p:spPr>
+        <p:txBody>
+          <a:bodyPr vert="horz" lIns="91440" tIns="45720" rIns="91440" bIns="45720" rtlCol="0" anchor="t">
+            <a:normAutofit fontScale="77500" lnSpcReduction="20000"/>
+          </a:bodyPr>
+          <a:lstStyle/>
+          <a:p>
+            <a:pPr indent="-228600">
+              <a:lnSpc>
+                <a:spcPct val="90000"/>
+              </a:lnSpc>
+              <a:spcAft>
+                <a:spcPts val="600"/>
+              </a:spcAft>
+              <a:buFont typeface="Arial" panose="020B0604020202020204" pitchFamily="34" charset="0"/>
+              <a:buChar char="•"/>
+            </a:pPr>
+            <a:r>
+              <a:rPr lang="en-US" sz="1500" dirty="0"/>
+              <a:t>BIC: 22923.36</a:t>
+            </a:r>
+          </a:p>
+          <a:p>
+            <a:pPr indent="-228600">
+              <a:lnSpc>
+                <a:spcPct val="90000"/>
+              </a:lnSpc>
+              <a:spcAft>
+                <a:spcPts val="600"/>
+              </a:spcAft>
+              <a:buFont typeface="Arial" panose="020B0604020202020204" pitchFamily="34" charset="0"/>
+              <a:buChar char="•"/>
+            </a:pPr>
+            <a:r>
+              <a:rPr lang="en-US" sz="1500" dirty="0"/>
+              <a:t>R^2: 0.16499471</a:t>
+            </a:r>
+          </a:p>
+          <a:p>
+            <a:pPr>
+              <a:lnSpc>
+                <a:spcPct val="90000"/>
+              </a:lnSpc>
+              <a:spcAft>
+                <a:spcPts val="600"/>
+              </a:spcAft>
+            </a:pPr>
+            <a:r>
+              <a:rPr lang="en-US" sz="1500" b="1" dirty="0"/>
+              <a:t>Betas</a:t>
+            </a:r>
+            <a:r>
+              <a:rPr lang="en-US" sz="1500" dirty="0"/>
+              <a:t> </a:t>
+            </a:r>
+          </a:p>
+          <a:p>
+            <a:pPr marL="285750" indent="-228600">
+              <a:lnSpc>
+                <a:spcPct val="90000"/>
+              </a:lnSpc>
+              <a:spcAft>
+                <a:spcPts val="600"/>
+              </a:spcAft>
+              <a:buFont typeface="Arial" panose="020B0604020202020204" pitchFamily="34" charset="0"/>
+              <a:buChar char="•"/>
+            </a:pPr>
+            <a:r>
+              <a:rPr lang="en-US" sz="1500" dirty="0"/>
+              <a:t>OP= -0.0798048</a:t>
+            </a:r>
+          </a:p>
+          <a:p>
+            <a:pPr marL="285750" indent="-228600">
+              <a:lnSpc>
+                <a:spcPct val="90000"/>
+              </a:lnSpc>
+              <a:spcAft>
+                <a:spcPts val="600"/>
+              </a:spcAft>
+              <a:buFont typeface="Arial" panose="020B0604020202020204" pitchFamily="34" charset="0"/>
+              <a:buChar char="•"/>
+            </a:pPr>
+            <a:r>
+              <a:rPr lang="en-US" sz="1500" dirty="0"/>
+              <a:t>OP^2= -0.0013647</a:t>
+            </a:r>
+          </a:p>
+          <a:p>
+            <a:pPr marL="285750" indent="-228600">
+              <a:lnSpc>
+                <a:spcPct val="90000"/>
+              </a:lnSpc>
+              <a:spcAft>
+                <a:spcPts val="600"/>
+              </a:spcAft>
+              <a:buFont typeface="Arial" panose="020B0604020202020204" pitchFamily="34" charset="0"/>
+              <a:buChar char="•"/>
+            </a:pPr>
+            <a:r>
+              <a:rPr lang="en-US" sz="1500" dirty="0"/>
+              <a:t>Lag= 0.0349803</a:t>
+            </a:r>
+          </a:p>
+          <a:p>
+            <a:pPr marL="285750" indent="-228600">
+              <a:lnSpc>
+                <a:spcPct val="90000"/>
+              </a:lnSpc>
+              <a:spcAft>
+                <a:spcPts val="600"/>
+              </a:spcAft>
+              <a:buFont typeface="Arial" panose="020B0604020202020204" pitchFamily="34" charset="0"/>
+              <a:buChar char="•"/>
+            </a:pPr>
+            <a:r>
+              <a:rPr lang="en-US" sz="1500" dirty="0"/>
+              <a:t>Lag^2= 0.0349803</a:t>
+            </a:r>
+          </a:p>
+          <a:p>
+            <a:pPr marL="285750" indent="-228600">
+              <a:lnSpc>
+                <a:spcPct val="90000"/>
+              </a:lnSpc>
+              <a:spcAft>
+                <a:spcPts val="600"/>
+              </a:spcAft>
+              <a:buFont typeface="Arial" panose="020B0604020202020204" pitchFamily="34" charset="0"/>
+              <a:buChar char="•"/>
+            </a:pPr>
+            <a:r>
+              <a:rPr lang="en-US" sz="1500" dirty="0"/>
+              <a:t>List= 0.0133723</a:t>
+            </a:r>
+          </a:p>
+          <a:p>
+            <a:pPr marL="285750" indent="-228600">
+              <a:lnSpc>
+                <a:spcPct val="90000"/>
+              </a:lnSpc>
+              <a:spcAft>
+                <a:spcPts val="600"/>
+              </a:spcAft>
+              <a:buFont typeface="Arial" panose="020B0604020202020204" pitchFamily="34" charset="0"/>
+              <a:buChar char="•"/>
+            </a:pPr>
+            <a:r>
+              <a:rPr lang="en-US" sz="1500" dirty="0"/>
+              <a:t>List^2= -0.0012326</a:t>
+            </a:r>
+          </a:p>
+          <a:p>
+            <a:pPr marL="57150">
+              <a:lnSpc>
+                <a:spcPct val="90000"/>
+              </a:lnSpc>
+              <a:spcAft>
+                <a:spcPts val="600"/>
+              </a:spcAft>
+            </a:pPr>
+            <a:r>
+              <a:rPr lang="en-US" sz="1500" b="1" dirty="0"/>
+              <a:t>P Values </a:t>
+            </a:r>
+          </a:p>
+          <a:p>
+            <a:pPr marL="285750" indent="-228600">
+              <a:lnSpc>
+                <a:spcPct val="90000"/>
+              </a:lnSpc>
+              <a:spcAft>
+                <a:spcPts val="600"/>
+              </a:spcAft>
+              <a:buFont typeface="Arial" panose="020B0604020202020204" pitchFamily="34" charset="0"/>
+              <a:buChar char="•"/>
+            </a:pPr>
+            <a:r>
+              <a:rPr lang="en-US" sz="1500" dirty="0"/>
+              <a:t>OP= 0.00311</a:t>
+            </a:r>
+          </a:p>
+          <a:p>
+            <a:pPr marL="285750" indent="-228600">
+              <a:lnSpc>
+                <a:spcPct val="90000"/>
+              </a:lnSpc>
+              <a:spcAft>
+                <a:spcPts val="600"/>
+              </a:spcAft>
+              <a:buFont typeface="Arial" panose="020B0604020202020204" pitchFamily="34" charset="0"/>
+              <a:buChar char="•"/>
+            </a:pPr>
+            <a:r>
+              <a:rPr lang="en-US" sz="1500" dirty="0"/>
+              <a:t>OP^2= 0.36448</a:t>
+            </a:r>
+          </a:p>
+          <a:p>
+            <a:pPr marL="285750" indent="-228600">
+              <a:lnSpc>
+                <a:spcPct val="90000"/>
+              </a:lnSpc>
+              <a:spcAft>
+                <a:spcPts val="600"/>
+              </a:spcAft>
+              <a:buFont typeface="Arial" panose="020B0604020202020204" pitchFamily="34" charset="0"/>
+              <a:buChar char="•"/>
+            </a:pPr>
+            <a:r>
+              <a:rPr lang="en-US" sz="1500" dirty="0"/>
+              <a:t>Lag= 0.00771 **</a:t>
+            </a:r>
+          </a:p>
+          <a:p>
+            <a:pPr marL="285750" indent="-228600">
+              <a:lnSpc>
+                <a:spcPct val="90000"/>
+              </a:lnSpc>
+              <a:spcAft>
+                <a:spcPts val="600"/>
+              </a:spcAft>
+              <a:buFont typeface="Arial" panose="020B0604020202020204" pitchFamily="34" charset="0"/>
+              <a:buChar char="•"/>
+            </a:pPr>
+            <a:r>
+              <a:rPr lang="en-US" sz="1500" dirty="0"/>
+              <a:t>Lag^2= 0.00208 **</a:t>
+            </a:r>
+          </a:p>
+          <a:p>
+            <a:pPr marL="285750" indent="-228600">
+              <a:lnSpc>
+                <a:spcPct val="90000"/>
+              </a:lnSpc>
+              <a:spcAft>
+                <a:spcPts val="600"/>
+              </a:spcAft>
+              <a:buFont typeface="Arial" panose="020B0604020202020204" pitchFamily="34" charset="0"/>
+              <a:buChar char="•"/>
+            </a:pPr>
+            <a:r>
+              <a:rPr lang="en-US" sz="1500" dirty="0"/>
+              <a:t>List= 0.44</a:t>
+            </a:r>
+          </a:p>
+          <a:p>
+            <a:pPr marL="285750" indent="-228600">
+              <a:lnSpc>
+                <a:spcPct val="90000"/>
+              </a:lnSpc>
+              <a:spcAft>
+                <a:spcPts val="600"/>
+              </a:spcAft>
+              <a:buFont typeface="Arial" panose="020B0604020202020204" pitchFamily="34" charset="0"/>
+              <a:buChar char="•"/>
+            </a:pPr>
+            <a:r>
+              <a:rPr lang="en-US" sz="1500" dirty="0"/>
+              <a:t>List2= 0.217</a:t>
+            </a:r>
           </a:p>
         </p:txBody>
       </p:sp>
@@ -3747,9 +5311,12 @@
         </p:blipFill>
         <p:spPr>
           <a:xfrm>
-            <a:off x="2898780" y="1825625"/>
-            <a:ext cx="6394439" cy="4351338"/>
+            <a:off x="4654296" y="1081735"/>
+            <a:ext cx="6903720" cy="4694529"/>
           </a:xfrm>
+          <a:prstGeom prst="rect">
+            <a:avLst/>
+          </a:prstGeom>
         </p:spPr>
       </p:pic>
     </p:spTree>
@@ -3768,6 +5335,14 @@
 <file path=ppt/slides/slide5.xml><?xml version="1.0" encoding="utf-8"?>
 <p:sld xmlns:a="http://schemas.openxmlformats.org/drawingml/2006/main" xmlns:r="http://schemas.openxmlformats.org/officeDocument/2006/relationships" xmlns:p="http://schemas.openxmlformats.org/presentationml/2006/main">
   <p:cSld>
+    <p:bg>
+      <p:bgPr>
+        <a:solidFill>
+          <a:schemeClr val="bg1"/>
+        </a:solidFill>
+        <a:effectLst/>
+      </p:bgPr>
+    </p:bg>
     <p:spTree>
       <p:nvGrpSpPr>
         <p:cNvPr id="1" name=""/>
@@ -3782,28 +5357,616 @@
           <a:chExt cx="0" cy="0"/>
         </a:xfrm>
       </p:grpSpPr>
-      <p:sp>
-        <p:nvSpPr>
-          <p:cNvPr id="2" name="Title 1">
-            <a:extLst>
-              <a:ext uri="{FF2B5EF4-FFF2-40B4-BE49-F238E27FC236}">
-                <a16:creationId xmlns:a16="http://schemas.microsoft.com/office/drawing/2014/main" id="{A4F5FF89-E33A-4449-BC40-F6DDDDB36D05}"/>
-              </a:ext>
-            </a:extLst>
-          </p:cNvPr>
-          <p:cNvSpPr>
-            <a:spLocks noGrp="1"/>
-          </p:cNvSpPr>
-          <p:nvPr>
-            <p:ph type="title"/>
-          </p:nvPr>
-        </p:nvSpPr>
-        <p:spPr/>
-        <p:txBody>
-          <a:bodyPr/>
+      <p:sp useBgFill="1">
+        <p:nvSpPr>
+          <p:cNvPr id="11" name="Rectangle 10">
+            <a:extLst>
+              <a:ext uri="{FF2B5EF4-FFF2-40B4-BE49-F238E27FC236}">
+                <a16:creationId xmlns:a16="http://schemas.microsoft.com/office/drawing/2014/main" id="{2B97F24A-32CE-4C1C-A50D-3016B394DCFB}"/>
+              </a:ext>
+              <a:ext uri="{C183D7F6-B498-43B3-948B-1728B52AA6E4}">
+                <adec:decorative xmlns:adec="http://schemas.microsoft.com/office/drawing/2017/decorative" val="1"/>
+              </a:ext>
+            </a:extLst>
+          </p:cNvPr>
+          <p:cNvSpPr>
+            <a:spLocks noGrp="1" noRot="1" noChangeAspect="1" noMove="1" noResize="1" noEditPoints="1" noAdjustHandles="1" noChangeArrowheads="1" noChangeShapeType="1" noTextEdit="1"/>
+          </p:cNvSpPr>
+          <p:nvPr>
+            <p:extLst>
+              <p:ext uri="{386F3935-93C4-4BCD-93E2-E3B085C9AB24}">
+                <p16:designElem xmlns:p16="http://schemas.microsoft.com/office/powerpoint/2015/main" val="1"/>
+              </p:ext>
+            </p:extLst>
+          </p:nvPr>
+        </p:nvSpPr>
+        <p:spPr>
+          <a:xfrm>
+            <a:off x="0" y="0"/>
+            <a:ext cx="12192000" cy="6858000"/>
+          </a:xfrm>
+          <a:prstGeom prst="rect">
+            <a:avLst/>
+          </a:prstGeom>
+          <a:ln>
+            <a:noFill/>
+          </a:ln>
+        </p:spPr>
+        <p:style>
+          <a:lnRef idx="2">
+            <a:schemeClr val="accent1">
+              <a:shade val="50000"/>
+            </a:schemeClr>
+          </a:lnRef>
+          <a:fillRef idx="1">
+            <a:schemeClr val="accent1"/>
+          </a:fillRef>
+          <a:effectRef idx="0">
+            <a:schemeClr val="accent1"/>
+          </a:effectRef>
+          <a:fontRef idx="minor">
+            <a:schemeClr val="lt1"/>
+          </a:fontRef>
+        </p:style>
+        <p:txBody>
+          <a:bodyPr rtlCol="0" anchor="ctr"/>
           <a:lstStyle/>
           <a:p>
+            <a:pPr algn="ctr"/>
             <a:endParaRPr lang="en-US"/>
+          </a:p>
+        </p:txBody>
+      </p:sp>
+      <p:sp>
+        <p:nvSpPr>
+          <p:cNvPr id="13" name="sketch line">
+            <a:extLst>
+              <a:ext uri="{FF2B5EF4-FFF2-40B4-BE49-F238E27FC236}">
+                <a16:creationId xmlns:a16="http://schemas.microsoft.com/office/drawing/2014/main" id="{CD8B4F24-440B-49E9-B85D-733523DC064B}"/>
+              </a:ext>
+              <a:ext uri="{C183D7F6-B498-43B3-948B-1728B52AA6E4}">
+                <adec:decorative xmlns:adec="http://schemas.microsoft.com/office/drawing/2017/decorative" val="1"/>
+              </a:ext>
+            </a:extLst>
+          </p:cNvPr>
+          <p:cNvSpPr>
+            <a:spLocks noGrp="1" noRot="1" noChangeAspect="1" noMove="1" noResize="1" noEditPoints="1" noAdjustHandles="1" noChangeArrowheads="1" noChangeShapeType="1" noTextEdit="1"/>
+          </p:cNvSpPr>
+          <p:nvPr>
+            <p:extLst>
+              <p:ext uri="{386F3935-93C4-4BCD-93E2-E3B085C9AB24}">
+                <p16:designElem xmlns:p16="http://schemas.microsoft.com/office/powerpoint/2015/main" val="1"/>
+              </p:ext>
+            </p:extLst>
+          </p:nvPr>
+        </p:nvSpPr>
+        <p:spPr>
+          <a:xfrm>
+            <a:off x="643278" y="2573756"/>
+            <a:ext cx="3255095" cy="18288"/>
+          </a:xfrm>
+          <a:custGeom>
+            <a:avLst/>
+            <a:gdLst>
+              <a:gd name="connsiteX0" fmla="*/ 0 w 3255095"/>
+              <a:gd name="connsiteY0" fmla="*/ 0 h 18288"/>
+              <a:gd name="connsiteX1" fmla="*/ 618468 w 3255095"/>
+              <a:gd name="connsiteY1" fmla="*/ 0 h 18288"/>
+              <a:gd name="connsiteX2" fmla="*/ 1269487 w 3255095"/>
+              <a:gd name="connsiteY2" fmla="*/ 0 h 18288"/>
+              <a:gd name="connsiteX3" fmla="*/ 1953057 w 3255095"/>
+              <a:gd name="connsiteY3" fmla="*/ 0 h 18288"/>
+              <a:gd name="connsiteX4" fmla="*/ 2636627 w 3255095"/>
+              <a:gd name="connsiteY4" fmla="*/ 0 h 18288"/>
+              <a:gd name="connsiteX5" fmla="*/ 3255095 w 3255095"/>
+              <a:gd name="connsiteY5" fmla="*/ 0 h 18288"/>
+              <a:gd name="connsiteX6" fmla="*/ 3255095 w 3255095"/>
+              <a:gd name="connsiteY6" fmla="*/ 18288 h 18288"/>
+              <a:gd name="connsiteX7" fmla="*/ 2538974 w 3255095"/>
+              <a:gd name="connsiteY7" fmla="*/ 18288 h 18288"/>
+              <a:gd name="connsiteX8" fmla="*/ 1822853 w 3255095"/>
+              <a:gd name="connsiteY8" fmla="*/ 18288 h 18288"/>
+              <a:gd name="connsiteX9" fmla="*/ 1171834 w 3255095"/>
+              <a:gd name="connsiteY9" fmla="*/ 18288 h 18288"/>
+              <a:gd name="connsiteX10" fmla="*/ 0 w 3255095"/>
+              <a:gd name="connsiteY10" fmla="*/ 18288 h 18288"/>
+              <a:gd name="connsiteX11" fmla="*/ 0 w 3255095"/>
+              <a:gd name="connsiteY11" fmla="*/ 0 h 18288"/>
+            </a:gdLst>
+            <a:ahLst/>
+            <a:cxnLst>
+              <a:cxn ang="0">
+                <a:pos x="connsiteX0" y="connsiteY0"/>
+              </a:cxn>
+              <a:cxn ang="0">
+                <a:pos x="connsiteX1" y="connsiteY1"/>
+              </a:cxn>
+              <a:cxn ang="0">
+                <a:pos x="connsiteX2" y="connsiteY2"/>
+              </a:cxn>
+              <a:cxn ang="0">
+                <a:pos x="connsiteX3" y="connsiteY3"/>
+              </a:cxn>
+              <a:cxn ang="0">
+                <a:pos x="connsiteX4" y="connsiteY4"/>
+              </a:cxn>
+              <a:cxn ang="0">
+                <a:pos x="connsiteX5" y="connsiteY5"/>
+              </a:cxn>
+              <a:cxn ang="0">
+                <a:pos x="connsiteX6" y="connsiteY6"/>
+              </a:cxn>
+              <a:cxn ang="0">
+                <a:pos x="connsiteX7" y="connsiteY7"/>
+              </a:cxn>
+              <a:cxn ang="0">
+                <a:pos x="connsiteX8" y="connsiteY8"/>
+              </a:cxn>
+              <a:cxn ang="0">
+                <a:pos x="connsiteX9" y="connsiteY9"/>
+              </a:cxn>
+              <a:cxn ang="0">
+                <a:pos x="connsiteX10" y="connsiteY10"/>
+              </a:cxn>
+              <a:cxn ang="0">
+                <a:pos x="connsiteX11" y="connsiteY11"/>
+              </a:cxn>
+            </a:cxnLst>
+            <a:rect l="l" t="t" r="r" b="b"/>
+            <a:pathLst>
+              <a:path w="3255095" h="18288" fill="none" extrusionOk="0">
+                <a:moveTo>
+                  <a:pt x="0" y="0"/>
+                </a:moveTo>
+                <a:cubicBezTo>
+                  <a:pt x="240201" y="-22123"/>
+                  <a:pt x="462021" y="-19623"/>
+                  <a:pt x="618468" y="0"/>
+                </a:cubicBezTo>
+                <a:cubicBezTo>
+                  <a:pt x="774915" y="19623"/>
+                  <a:pt x="974734" y="2035"/>
+                  <a:pt x="1269487" y="0"/>
+                </a:cubicBezTo>
+                <a:cubicBezTo>
+                  <a:pt x="1564240" y="-2035"/>
+                  <a:pt x="1733579" y="10639"/>
+                  <a:pt x="1953057" y="0"/>
+                </a:cubicBezTo>
+                <a:cubicBezTo>
+                  <a:pt x="2172535" y="-10639"/>
+                  <a:pt x="2453962" y="14018"/>
+                  <a:pt x="2636627" y="0"/>
+                </a:cubicBezTo>
+                <a:cubicBezTo>
+                  <a:pt x="2819292" y="-14018"/>
+                  <a:pt x="3121375" y="5399"/>
+                  <a:pt x="3255095" y="0"/>
+                </a:cubicBezTo>
+                <a:cubicBezTo>
+                  <a:pt x="3254386" y="8157"/>
+                  <a:pt x="3254682" y="12125"/>
+                  <a:pt x="3255095" y="18288"/>
+                </a:cubicBezTo>
+                <a:cubicBezTo>
+                  <a:pt x="3088545" y="23203"/>
+                  <a:pt x="2687475" y="7419"/>
+                  <a:pt x="2538974" y="18288"/>
+                </a:cubicBezTo>
+                <a:cubicBezTo>
+                  <a:pt x="2390473" y="29157"/>
+                  <a:pt x="2137381" y="-8959"/>
+                  <a:pt x="1822853" y="18288"/>
+                </a:cubicBezTo>
+                <a:cubicBezTo>
+                  <a:pt x="1508325" y="45535"/>
+                  <a:pt x="1466437" y="20385"/>
+                  <a:pt x="1171834" y="18288"/>
+                </a:cubicBezTo>
+                <a:cubicBezTo>
+                  <a:pt x="877231" y="16191"/>
+                  <a:pt x="561097" y="37643"/>
+                  <a:pt x="0" y="18288"/>
+                </a:cubicBezTo>
+                <a:cubicBezTo>
+                  <a:pt x="-46" y="12483"/>
+                  <a:pt x="-203" y="6491"/>
+                  <a:pt x="0" y="0"/>
+                </a:cubicBezTo>
+                <a:close/>
+              </a:path>
+              <a:path w="3255095" h="18288" stroke="0" extrusionOk="0">
+                <a:moveTo>
+                  <a:pt x="0" y="0"/>
+                </a:moveTo>
+                <a:cubicBezTo>
+                  <a:pt x="291965" y="19429"/>
+                  <a:pt x="363155" y="8568"/>
+                  <a:pt x="618468" y="0"/>
+                </a:cubicBezTo>
+                <a:cubicBezTo>
+                  <a:pt x="873781" y="-8568"/>
+                  <a:pt x="904459" y="-19505"/>
+                  <a:pt x="1171834" y="0"/>
+                </a:cubicBezTo>
+                <a:cubicBezTo>
+                  <a:pt x="1439209" y="19505"/>
+                  <a:pt x="1744369" y="9790"/>
+                  <a:pt x="1887955" y="0"/>
+                </a:cubicBezTo>
+                <a:cubicBezTo>
+                  <a:pt x="2031541" y="-9790"/>
+                  <a:pt x="2346378" y="21240"/>
+                  <a:pt x="2506423" y="0"/>
+                </a:cubicBezTo>
+                <a:cubicBezTo>
+                  <a:pt x="2666468" y="-21240"/>
+                  <a:pt x="2990257" y="30414"/>
+                  <a:pt x="3255095" y="0"/>
+                </a:cubicBezTo>
+                <a:cubicBezTo>
+                  <a:pt x="3254831" y="4493"/>
+                  <a:pt x="3255479" y="9472"/>
+                  <a:pt x="3255095" y="18288"/>
+                </a:cubicBezTo>
+                <a:cubicBezTo>
+                  <a:pt x="3120743" y="16690"/>
+                  <a:pt x="2759628" y="42462"/>
+                  <a:pt x="2604076" y="18288"/>
+                </a:cubicBezTo>
+                <a:cubicBezTo>
+                  <a:pt x="2448524" y="-5886"/>
+                  <a:pt x="2184336" y="19599"/>
+                  <a:pt x="1887955" y="18288"/>
+                </a:cubicBezTo>
+                <a:cubicBezTo>
+                  <a:pt x="1591574" y="16977"/>
+                  <a:pt x="1548845" y="6870"/>
+                  <a:pt x="1334589" y="18288"/>
+                </a:cubicBezTo>
+                <a:cubicBezTo>
+                  <a:pt x="1120333" y="29706"/>
+                  <a:pt x="996014" y="9662"/>
+                  <a:pt x="683570" y="18288"/>
+                </a:cubicBezTo>
+                <a:cubicBezTo>
+                  <a:pt x="371126" y="26914"/>
+                  <a:pt x="198687" y="16167"/>
+                  <a:pt x="0" y="18288"/>
+                </a:cubicBezTo>
+                <a:cubicBezTo>
+                  <a:pt x="843" y="9577"/>
+                  <a:pt x="371" y="6900"/>
+                  <a:pt x="0" y="0"/>
+                </a:cubicBezTo>
+                <a:close/>
+              </a:path>
+            </a:pathLst>
+          </a:custGeom>
+          <a:solidFill>
+            <a:schemeClr val="accent2"/>
+          </a:solidFill>
+          <a:ln w="38100" cap="rnd">
+            <a:solidFill>
+              <a:schemeClr val="accent2"/>
+            </a:solidFill>
+            <a:round/>
+            <a:extLst>
+              <a:ext uri="{C807C97D-BFC1-408E-A445-0C87EB9F89A2}">
+                <ask:lineSketchStyleProps xmlns:ask="http://schemas.microsoft.com/office/drawing/2018/sketchyshapes" sd="1219033472">
+                  <a:prstGeom prst="rect">
+                    <a:avLst/>
+                  </a:prstGeom>
+                  <ask:type>
+                    <ask:lineSketchFreehand/>
+                  </ask:type>
+                </ask:lineSketchStyleProps>
+              </a:ext>
+            </a:extLst>
+          </a:ln>
+        </p:spPr>
+        <p:style>
+          <a:lnRef idx="2">
+            <a:schemeClr val="accent1">
+              <a:shade val="50000"/>
+            </a:schemeClr>
+          </a:lnRef>
+          <a:fillRef idx="1">
+            <a:schemeClr val="accent1"/>
+          </a:fillRef>
+          <a:effectRef idx="0">
+            <a:schemeClr val="accent1"/>
+          </a:effectRef>
+          <a:fontRef idx="minor">
+            <a:schemeClr val="lt1"/>
+          </a:fontRef>
+        </p:style>
+        <p:txBody>
+          <a:bodyPr rtlCol="0" anchor="ctr"/>
+          <a:lstStyle/>
+          <a:p>
+            <a:pPr algn="ctr"/>
+            <a:endParaRPr lang="en-US"/>
+          </a:p>
+        </p:txBody>
+      </p:sp>
+      <p:sp>
+        <p:nvSpPr>
+          <p:cNvPr id="6" name="TextBox 5">
+            <a:extLst>
+              <a:ext uri="{FF2B5EF4-FFF2-40B4-BE49-F238E27FC236}">
+                <a16:creationId xmlns:a16="http://schemas.microsoft.com/office/drawing/2014/main" id="{A4F2B459-6DD5-384F-9FF9-C1F52463C220}"/>
+              </a:ext>
+            </a:extLst>
+          </p:cNvPr>
+          <p:cNvSpPr txBox="1"/>
+          <p:nvPr/>
+        </p:nvSpPr>
+        <p:spPr>
+          <a:xfrm>
+            <a:off x="630936" y="2807208"/>
+            <a:ext cx="3429000" cy="3410712"/>
+          </a:xfrm>
+          <a:prstGeom prst="rect">
+            <a:avLst/>
+          </a:prstGeom>
+        </p:spPr>
+        <p:txBody>
+          <a:bodyPr vert="horz" lIns="91440" tIns="45720" rIns="91440" bIns="45720" rtlCol="0" anchor="t">
+            <a:normAutofit fontScale="77500" lnSpcReduction="20000"/>
+          </a:bodyPr>
+          <a:lstStyle/>
+          <a:p>
+            <a:pPr indent="-228600">
+              <a:lnSpc>
+                <a:spcPct val="90000"/>
+              </a:lnSpc>
+              <a:spcAft>
+                <a:spcPts val="600"/>
+              </a:spcAft>
+              <a:buFont typeface="Arial" panose="020B0604020202020204" pitchFamily="34" charset="0"/>
+              <a:buChar char="•"/>
+            </a:pPr>
+            <a:r>
+              <a:rPr lang="en-US" sz="1500" dirty="0"/>
+              <a:t>BIC:22926.8</a:t>
+            </a:r>
+          </a:p>
+          <a:p>
+            <a:pPr indent="-228600">
+              <a:lnSpc>
+                <a:spcPct val="90000"/>
+              </a:lnSpc>
+              <a:spcAft>
+                <a:spcPts val="600"/>
+              </a:spcAft>
+              <a:buFont typeface="Arial" panose="020B0604020202020204" pitchFamily="34" charset="0"/>
+              <a:buChar char="•"/>
+            </a:pPr>
+            <a:r>
+              <a:rPr lang="en-US" sz="1500" dirty="0"/>
+              <a:t>R^2: 0.1660482</a:t>
+            </a:r>
+          </a:p>
+          <a:p>
+            <a:pPr>
+              <a:lnSpc>
+                <a:spcPct val="90000"/>
+              </a:lnSpc>
+              <a:spcAft>
+                <a:spcPts val="600"/>
+              </a:spcAft>
+            </a:pPr>
+            <a:r>
+              <a:rPr lang="en-US" sz="1500" b="1" dirty="0"/>
+              <a:t>Betas </a:t>
+            </a:r>
+          </a:p>
+          <a:p>
+            <a:pPr marL="285750" indent="-228600">
+              <a:lnSpc>
+                <a:spcPct val="90000"/>
+              </a:lnSpc>
+              <a:spcAft>
+                <a:spcPts val="600"/>
+              </a:spcAft>
+              <a:buFont typeface="Arial" panose="020B0604020202020204" pitchFamily="34" charset="0"/>
+              <a:buChar char="•"/>
+            </a:pPr>
+            <a:r>
+              <a:rPr lang="en-US" sz="1500" dirty="0"/>
+              <a:t>OP= -0.0549277</a:t>
+            </a:r>
+          </a:p>
+          <a:p>
+            <a:pPr marL="285750" indent="-228600">
+              <a:lnSpc>
+                <a:spcPct val="90000"/>
+              </a:lnSpc>
+              <a:spcAft>
+                <a:spcPts val="600"/>
+              </a:spcAft>
+              <a:buFont typeface="Arial" panose="020B0604020202020204" pitchFamily="34" charset="0"/>
+              <a:buChar char="•"/>
+            </a:pPr>
+            <a:r>
+              <a:rPr lang="en-US" sz="1500" dirty="0"/>
+              <a:t>OP^2= -0.0032196</a:t>
+            </a:r>
+          </a:p>
+          <a:p>
+            <a:pPr marL="285750" indent="-228600">
+              <a:lnSpc>
+                <a:spcPct val="90000"/>
+              </a:lnSpc>
+              <a:spcAft>
+                <a:spcPts val="600"/>
+              </a:spcAft>
+              <a:buFont typeface="Arial" panose="020B0604020202020204" pitchFamily="34" charset="0"/>
+              <a:buChar char="•"/>
+            </a:pPr>
+            <a:r>
+              <a:rPr lang="en-US" sz="1500" dirty="0"/>
+              <a:t>SP= 0.045</a:t>
+            </a:r>
+          </a:p>
+          <a:p>
+            <a:pPr marL="285750" indent="-228600">
+              <a:lnSpc>
+                <a:spcPct val="90000"/>
+              </a:lnSpc>
+              <a:spcAft>
+                <a:spcPts val="600"/>
+              </a:spcAft>
+              <a:buFont typeface="Arial" panose="020B0604020202020204" pitchFamily="34" charset="0"/>
+              <a:buChar char="•"/>
+            </a:pPr>
+            <a:r>
+              <a:rPr lang="en-US" sz="1500" dirty="0"/>
+              <a:t>SP^2= -0.003</a:t>
+            </a:r>
+          </a:p>
+          <a:p>
+            <a:pPr marL="285750" indent="-228600">
+              <a:lnSpc>
+                <a:spcPct val="90000"/>
+              </a:lnSpc>
+              <a:spcAft>
+                <a:spcPts val="600"/>
+              </a:spcAft>
+              <a:buFont typeface="Arial" panose="020B0604020202020204" pitchFamily="34" charset="0"/>
+              <a:buChar char="•"/>
+            </a:pPr>
+            <a:r>
+              <a:rPr lang="en-US" sz="1500" dirty="0"/>
+              <a:t>List= 0.0135</a:t>
+            </a:r>
+          </a:p>
+          <a:p>
+            <a:pPr marL="285750" indent="-228600">
+              <a:lnSpc>
+                <a:spcPct val="90000"/>
+              </a:lnSpc>
+              <a:spcAft>
+                <a:spcPts val="600"/>
+              </a:spcAft>
+              <a:buFont typeface="Arial" panose="020B0604020202020204" pitchFamily="34" charset="0"/>
+              <a:buChar char="•"/>
+            </a:pPr>
+            <a:r>
+              <a:rPr lang="en-US" sz="1500" dirty="0"/>
+              <a:t>List^2= -0.0012340</a:t>
+            </a:r>
+          </a:p>
+          <a:p>
+            <a:pPr marL="57150">
+              <a:lnSpc>
+                <a:spcPct val="90000"/>
+              </a:lnSpc>
+              <a:spcAft>
+                <a:spcPts val="600"/>
+              </a:spcAft>
+            </a:pPr>
+            <a:r>
+              <a:rPr lang="en-US" sz="1500" b="1" dirty="0"/>
+              <a:t>P Values</a:t>
+            </a:r>
+          </a:p>
+          <a:p>
+            <a:pPr marL="285750" indent="-228600">
+              <a:lnSpc>
+                <a:spcPct val="90000"/>
+              </a:lnSpc>
+              <a:spcAft>
+                <a:spcPts val="600"/>
+              </a:spcAft>
+              <a:buFont typeface="Arial" panose="020B0604020202020204" pitchFamily="34" charset="0"/>
+              <a:buChar char="•"/>
+            </a:pPr>
+            <a:r>
+              <a:rPr lang="en-US" sz="1500" dirty="0"/>
+              <a:t>OP= 0.0093**</a:t>
+            </a:r>
+          </a:p>
+          <a:p>
+            <a:pPr marL="285750" indent="-228600">
+              <a:lnSpc>
+                <a:spcPct val="90000"/>
+              </a:lnSpc>
+              <a:spcAft>
+                <a:spcPts val="600"/>
+              </a:spcAft>
+              <a:buFont typeface="Arial" panose="020B0604020202020204" pitchFamily="34" charset="0"/>
+              <a:buChar char="•"/>
+            </a:pPr>
+            <a:r>
+              <a:rPr lang="en-US" sz="1500" dirty="0"/>
+              <a:t>OP2 &lt; 0.0098**</a:t>
+            </a:r>
+          </a:p>
+          <a:p>
+            <a:pPr marL="285750" indent="-228600">
+              <a:lnSpc>
+                <a:spcPct val="90000"/>
+              </a:lnSpc>
+              <a:spcAft>
+                <a:spcPts val="600"/>
+              </a:spcAft>
+              <a:buFont typeface="Arial" panose="020B0604020202020204" pitchFamily="34" charset="0"/>
+              <a:buChar char="•"/>
+            </a:pPr>
+            <a:r>
+              <a:rPr lang="en-US" sz="1500" dirty="0"/>
+              <a:t>SP= 0.011*</a:t>
+            </a:r>
+          </a:p>
+          <a:p>
+            <a:pPr marL="285750" indent="-228600">
+              <a:lnSpc>
+                <a:spcPct val="90000"/>
+              </a:lnSpc>
+              <a:spcAft>
+                <a:spcPts val="600"/>
+              </a:spcAft>
+              <a:buFont typeface="Arial" panose="020B0604020202020204" pitchFamily="34" charset="0"/>
+              <a:buChar char="•"/>
+            </a:pPr>
+            <a:r>
+              <a:rPr lang="en-US" sz="1500" dirty="0"/>
+              <a:t>SP^2= 0.014*</a:t>
+            </a:r>
+          </a:p>
+          <a:p>
+            <a:pPr marL="285750" indent="-228600">
+              <a:lnSpc>
+                <a:spcPct val="90000"/>
+              </a:lnSpc>
+              <a:spcAft>
+                <a:spcPts val="600"/>
+              </a:spcAft>
+              <a:buFont typeface="Arial" panose="020B0604020202020204" pitchFamily="34" charset="0"/>
+              <a:buChar char="•"/>
+            </a:pPr>
+            <a:r>
+              <a:rPr lang="en-US" sz="1500" dirty="0"/>
+              <a:t>List= 0.4382</a:t>
+            </a:r>
+          </a:p>
+          <a:p>
+            <a:pPr marL="285750" indent="-228600">
+              <a:lnSpc>
+                <a:spcPct val="90000"/>
+              </a:lnSpc>
+              <a:spcAft>
+                <a:spcPts val="600"/>
+              </a:spcAft>
+              <a:buFont typeface="Arial" panose="020B0604020202020204" pitchFamily="34" charset="0"/>
+              <a:buChar char="•"/>
+            </a:pPr>
+            <a:r>
+              <a:rPr lang="en-US" sz="1500" dirty="0"/>
+              <a:t>List2= 0.21376</a:t>
+            </a:r>
           </a:p>
         </p:txBody>
       </p:sp>
@@ -3831,9 +5994,12 @@
         </p:blipFill>
         <p:spPr>
           <a:xfrm>
-            <a:off x="2898780" y="1825625"/>
-            <a:ext cx="6394439" cy="4351338"/>
+            <a:off x="4654296" y="1081735"/>
+            <a:ext cx="6903720" cy="4694529"/>
           </a:xfrm>
+          <a:prstGeom prst="rect">
+            <a:avLst/>
+          </a:prstGeom>
         </p:spPr>
       </p:pic>
     </p:spTree>
@@ -3852,6 +6018,14 @@
 <file path=ppt/slides/slide6.xml><?xml version="1.0" encoding="utf-8"?>
 <p:sld xmlns:a="http://schemas.openxmlformats.org/drawingml/2006/main" xmlns:r="http://schemas.openxmlformats.org/officeDocument/2006/relationships" xmlns:p="http://schemas.openxmlformats.org/presentationml/2006/main">
   <p:cSld>
+    <p:bg>
+      <p:bgPr>
+        <a:solidFill>
+          <a:schemeClr val="bg1"/>
+        </a:solidFill>
+        <a:effectLst/>
+      </p:bgPr>
+    </p:bg>
     <p:spTree>
       <p:nvGrpSpPr>
         <p:cNvPr id="1" name=""/>
@@ -3866,64 +6040,652 @@
           <a:chExt cx="0" cy="0"/>
         </a:xfrm>
       </p:grpSpPr>
-      <p:sp>
-        <p:nvSpPr>
-          <p:cNvPr id="2" name="Title 1">
-            <a:extLst>
-              <a:ext uri="{FF2B5EF4-FFF2-40B4-BE49-F238E27FC236}">
-                <a16:creationId xmlns:a16="http://schemas.microsoft.com/office/drawing/2014/main" id="{5AABBF6B-2DBD-2347-AB5E-04CD0A626BE5}"/>
-              </a:ext>
-            </a:extLst>
-          </p:cNvPr>
-          <p:cNvSpPr>
-            <a:spLocks noGrp="1"/>
-          </p:cNvSpPr>
-          <p:nvPr>
-            <p:ph type="title"/>
-          </p:nvPr>
-        </p:nvSpPr>
-        <p:spPr/>
-        <p:txBody>
-          <a:bodyPr/>
+      <p:sp useBgFill="1">
+        <p:nvSpPr>
+          <p:cNvPr id="11" name="Rectangle 10">
+            <a:extLst>
+              <a:ext uri="{FF2B5EF4-FFF2-40B4-BE49-F238E27FC236}">
+                <a16:creationId xmlns:a16="http://schemas.microsoft.com/office/drawing/2014/main" id="{2B97F24A-32CE-4C1C-A50D-3016B394DCFB}"/>
+              </a:ext>
+              <a:ext uri="{C183D7F6-B498-43B3-948B-1728B52AA6E4}">
+                <adec:decorative xmlns:adec="http://schemas.microsoft.com/office/drawing/2017/decorative" val="1"/>
+              </a:ext>
+            </a:extLst>
+          </p:cNvPr>
+          <p:cNvSpPr>
+            <a:spLocks noGrp="1" noRot="1" noChangeAspect="1" noMove="1" noResize="1" noEditPoints="1" noAdjustHandles="1" noChangeArrowheads="1" noChangeShapeType="1" noTextEdit="1"/>
+          </p:cNvSpPr>
+          <p:nvPr>
+            <p:extLst>
+              <p:ext uri="{386F3935-93C4-4BCD-93E2-E3B085C9AB24}">
+                <p16:designElem xmlns:p16="http://schemas.microsoft.com/office/powerpoint/2015/main" val="1"/>
+              </p:ext>
+            </p:extLst>
+          </p:nvPr>
+        </p:nvSpPr>
+        <p:spPr>
+          <a:xfrm>
+            <a:off x="0" y="0"/>
+            <a:ext cx="12192000" cy="6858000"/>
+          </a:xfrm>
+          <a:prstGeom prst="rect">
+            <a:avLst/>
+          </a:prstGeom>
+          <a:ln>
+            <a:noFill/>
+          </a:ln>
+        </p:spPr>
+        <p:style>
+          <a:lnRef idx="2">
+            <a:schemeClr val="accent1">
+              <a:shade val="50000"/>
+            </a:schemeClr>
+          </a:lnRef>
+          <a:fillRef idx="1">
+            <a:schemeClr val="accent1"/>
+          </a:fillRef>
+          <a:effectRef idx="0">
+            <a:schemeClr val="accent1"/>
+          </a:effectRef>
+          <a:fontRef idx="minor">
+            <a:schemeClr val="lt1"/>
+          </a:fontRef>
+        </p:style>
+        <p:txBody>
+          <a:bodyPr rtlCol="0" anchor="ctr"/>
           <a:lstStyle/>
           <a:p>
+            <a:pPr algn="ctr"/>
             <a:endParaRPr lang="en-US"/>
+          </a:p>
+        </p:txBody>
+      </p:sp>
+      <p:sp>
+        <p:nvSpPr>
+          <p:cNvPr id="13" name="sketch line">
+            <a:extLst>
+              <a:ext uri="{FF2B5EF4-FFF2-40B4-BE49-F238E27FC236}">
+                <a16:creationId xmlns:a16="http://schemas.microsoft.com/office/drawing/2014/main" id="{6357EC4F-235E-4222-A36F-C7878ACE37F2}"/>
+              </a:ext>
+              <a:ext uri="{C183D7F6-B498-43B3-948B-1728B52AA6E4}">
+                <adec:decorative xmlns:adec="http://schemas.microsoft.com/office/drawing/2017/decorative" val="1"/>
+              </a:ext>
+            </a:extLst>
+          </p:cNvPr>
+          <p:cNvSpPr>
+            <a:spLocks noGrp="1" noRot="1" noChangeAspect="1" noMove="1" noResize="1" noEditPoints="1" noAdjustHandles="1" noChangeArrowheads="1" noChangeShapeType="1" noTextEdit="1"/>
+          </p:cNvSpPr>
+          <p:nvPr>
+            <p:extLst>
+              <p:ext uri="{386F3935-93C4-4BCD-93E2-E3B085C9AB24}">
+                <p16:designElem xmlns:p16="http://schemas.microsoft.com/office/powerpoint/2015/main" val="1"/>
+              </p:ext>
+            </p:extLst>
+          </p:nvPr>
+        </p:nvSpPr>
+        <p:spPr>
+          <a:xfrm>
+            <a:off x="643278" y="2573756"/>
+            <a:ext cx="3255095" cy="18288"/>
+          </a:xfrm>
+          <a:custGeom>
+            <a:avLst/>
+            <a:gdLst>
+              <a:gd name="connsiteX0" fmla="*/ 0 w 3255095"/>
+              <a:gd name="connsiteY0" fmla="*/ 0 h 18288"/>
+              <a:gd name="connsiteX1" fmla="*/ 618468 w 3255095"/>
+              <a:gd name="connsiteY1" fmla="*/ 0 h 18288"/>
+              <a:gd name="connsiteX2" fmla="*/ 1269487 w 3255095"/>
+              <a:gd name="connsiteY2" fmla="*/ 0 h 18288"/>
+              <a:gd name="connsiteX3" fmla="*/ 1953057 w 3255095"/>
+              <a:gd name="connsiteY3" fmla="*/ 0 h 18288"/>
+              <a:gd name="connsiteX4" fmla="*/ 2636627 w 3255095"/>
+              <a:gd name="connsiteY4" fmla="*/ 0 h 18288"/>
+              <a:gd name="connsiteX5" fmla="*/ 3255095 w 3255095"/>
+              <a:gd name="connsiteY5" fmla="*/ 0 h 18288"/>
+              <a:gd name="connsiteX6" fmla="*/ 3255095 w 3255095"/>
+              <a:gd name="connsiteY6" fmla="*/ 18288 h 18288"/>
+              <a:gd name="connsiteX7" fmla="*/ 2538974 w 3255095"/>
+              <a:gd name="connsiteY7" fmla="*/ 18288 h 18288"/>
+              <a:gd name="connsiteX8" fmla="*/ 1822853 w 3255095"/>
+              <a:gd name="connsiteY8" fmla="*/ 18288 h 18288"/>
+              <a:gd name="connsiteX9" fmla="*/ 1171834 w 3255095"/>
+              <a:gd name="connsiteY9" fmla="*/ 18288 h 18288"/>
+              <a:gd name="connsiteX10" fmla="*/ 0 w 3255095"/>
+              <a:gd name="connsiteY10" fmla="*/ 18288 h 18288"/>
+              <a:gd name="connsiteX11" fmla="*/ 0 w 3255095"/>
+              <a:gd name="connsiteY11" fmla="*/ 0 h 18288"/>
+            </a:gdLst>
+            <a:ahLst/>
+            <a:cxnLst>
+              <a:cxn ang="0">
+                <a:pos x="connsiteX0" y="connsiteY0"/>
+              </a:cxn>
+              <a:cxn ang="0">
+                <a:pos x="connsiteX1" y="connsiteY1"/>
+              </a:cxn>
+              <a:cxn ang="0">
+                <a:pos x="connsiteX2" y="connsiteY2"/>
+              </a:cxn>
+              <a:cxn ang="0">
+                <a:pos x="connsiteX3" y="connsiteY3"/>
+              </a:cxn>
+              <a:cxn ang="0">
+                <a:pos x="connsiteX4" y="connsiteY4"/>
+              </a:cxn>
+              <a:cxn ang="0">
+                <a:pos x="connsiteX5" y="connsiteY5"/>
+              </a:cxn>
+              <a:cxn ang="0">
+                <a:pos x="connsiteX6" y="connsiteY6"/>
+              </a:cxn>
+              <a:cxn ang="0">
+                <a:pos x="connsiteX7" y="connsiteY7"/>
+              </a:cxn>
+              <a:cxn ang="0">
+                <a:pos x="connsiteX8" y="connsiteY8"/>
+              </a:cxn>
+              <a:cxn ang="0">
+                <a:pos x="connsiteX9" y="connsiteY9"/>
+              </a:cxn>
+              <a:cxn ang="0">
+                <a:pos x="connsiteX10" y="connsiteY10"/>
+              </a:cxn>
+              <a:cxn ang="0">
+                <a:pos x="connsiteX11" y="connsiteY11"/>
+              </a:cxn>
+            </a:cxnLst>
+            <a:rect l="l" t="t" r="r" b="b"/>
+            <a:pathLst>
+              <a:path w="3255095" h="18288" fill="none" extrusionOk="0">
+                <a:moveTo>
+                  <a:pt x="0" y="0"/>
+                </a:moveTo>
+                <a:cubicBezTo>
+                  <a:pt x="240201" y="-22123"/>
+                  <a:pt x="462021" y="-19623"/>
+                  <a:pt x="618468" y="0"/>
+                </a:cubicBezTo>
+                <a:cubicBezTo>
+                  <a:pt x="774915" y="19623"/>
+                  <a:pt x="974734" y="2035"/>
+                  <a:pt x="1269487" y="0"/>
+                </a:cubicBezTo>
+                <a:cubicBezTo>
+                  <a:pt x="1564240" y="-2035"/>
+                  <a:pt x="1733579" y="10639"/>
+                  <a:pt x="1953057" y="0"/>
+                </a:cubicBezTo>
+                <a:cubicBezTo>
+                  <a:pt x="2172535" y="-10639"/>
+                  <a:pt x="2453962" y="14018"/>
+                  <a:pt x="2636627" y="0"/>
+                </a:cubicBezTo>
+                <a:cubicBezTo>
+                  <a:pt x="2819292" y="-14018"/>
+                  <a:pt x="3121375" y="5399"/>
+                  <a:pt x="3255095" y="0"/>
+                </a:cubicBezTo>
+                <a:cubicBezTo>
+                  <a:pt x="3254386" y="8157"/>
+                  <a:pt x="3254682" y="12125"/>
+                  <a:pt x="3255095" y="18288"/>
+                </a:cubicBezTo>
+                <a:cubicBezTo>
+                  <a:pt x="3088545" y="23203"/>
+                  <a:pt x="2687475" y="7419"/>
+                  <a:pt x="2538974" y="18288"/>
+                </a:cubicBezTo>
+                <a:cubicBezTo>
+                  <a:pt x="2390473" y="29157"/>
+                  <a:pt x="2137381" y="-8959"/>
+                  <a:pt x="1822853" y="18288"/>
+                </a:cubicBezTo>
+                <a:cubicBezTo>
+                  <a:pt x="1508325" y="45535"/>
+                  <a:pt x="1466437" y="20385"/>
+                  <a:pt x="1171834" y="18288"/>
+                </a:cubicBezTo>
+                <a:cubicBezTo>
+                  <a:pt x="877231" y="16191"/>
+                  <a:pt x="561097" y="37643"/>
+                  <a:pt x="0" y="18288"/>
+                </a:cubicBezTo>
+                <a:cubicBezTo>
+                  <a:pt x="-46" y="12483"/>
+                  <a:pt x="-203" y="6491"/>
+                  <a:pt x="0" y="0"/>
+                </a:cubicBezTo>
+                <a:close/>
+              </a:path>
+              <a:path w="3255095" h="18288" stroke="0" extrusionOk="0">
+                <a:moveTo>
+                  <a:pt x="0" y="0"/>
+                </a:moveTo>
+                <a:cubicBezTo>
+                  <a:pt x="291965" y="19429"/>
+                  <a:pt x="363155" y="8568"/>
+                  <a:pt x="618468" y="0"/>
+                </a:cubicBezTo>
+                <a:cubicBezTo>
+                  <a:pt x="873781" y="-8568"/>
+                  <a:pt x="904459" y="-19505"/>
+                  <a:pt x="1171834" y="0"/>
+                </a:cubicBezTo>
+                <a:cubicBezTo>
+                  <a:pt x="1439209" y="19505"/>
+                  <a:pt x="1744369" y="9790"/>
+                  <a:pt x="1887955" y="0"/>
+                </a:cubicBezTo>
+                <a:cubicBezTo>
+                  <a:pt x="2031541" y="-9790"/>
+                  <a:pt x="2346378" y="21240"/>
+                  <a:pt x="2506423" y="0"/>
+                </a:cubicBezTo>
+                <a:cubicBezTo>
+                  <a:pt x="2666468" y="-21240"/>
+                  <a:pt x="2990257" y="30414"/>
+                  <a:pt x="3255095" y="0"/>
+                </a:cubicBezTo>
+                <a:cubicBezTo>
+                  <a:pt x="3254831" y="4493"/>
+                  <a:pt x="3255479" y="9472"/>
+                  <a:pt x="3255095" y="18288"/>
+                </a:cubicBezTo>
+                <a:cubicBezTo>
+                  <a:pt x="3120743" y="16690"/>
+                  <a:pt x="2759628" y="42462"/>
+                  <a:pt x="2604076" y="18288"/>
+                </a:cubicBezTo>
+                <a:cubicBezTo>
+                  <a:pt x="2448524" y="-5886"/>
+                  <a:pt x="2184336" y="19599"/>
+                  <a:pt x="1887955" y="18288"/>
+                </a:cubicBezTo>
+                <a:cubicBezTo>
+                  <a:pt x="1591574" y="16977"/>
+                  <a:pt x="1548845" y="6870"/>
+                  <a:pt x="1334589" y="18288"/>
+                </a:cubicBezTo>
+                <a:cubicBezTo>
+                  <a:pt x="1120333" y="29706"/>
+                  <a:pt x="996014" y="9662"/>
+                  <a:pt x="683570" y="18288"/>
+                </a:cubicBezTo>
+                <a:cubicBezTo>
+                  <a:pt x="371126" y="26914"/>
+                  <a:pt x="198687" y="16167"/>
+                  <a:pt x="0" y="18288"/>
+                </a:cubicBezTo>
+                <a:cubicBezTo>
+                  <a:pt x="843" y="9577"/>
+                  <a:pt x="371" y="6900"/>
+                  <a:pt x="0" y="0"/>
+                </a:cubicBezTo>
+                <a:close/>
+              </a:path>
+            </a:pathLst>
+          </a:custGeom>
+          <a:solidFill>
+            <a:schemeClr val="accent2"/>
+          </a:solidFill>
+          <a:ln w="38100" cap="rnd">
+            <a:solidFill>
+              <a:schemeClr val="accent2"/>
+            </a:solidFill>
+            <a:round/>
+            <a:extLst>
+              <a:ext uri="{C807C97D-BFC1-408E-A445-0C87EB9F89A2}">
+                <ask:lineSketchStyleProps xmlns:ask="http://schemas.microsoft.com/office/drawing/2018/sketchyshapes" sd="1219033472">
+                  <a:prstGeom prst="rect">
+                    <a:avLst/>
+                  </a:prstGeom>
+                  <ask:type>
+                    <ask:lineSketchFreehand/>
+                  </ask:type>
+                </ask:lineSketchStyleProps>
+              </a:ext>
+            </a:extLst>
+          </a:ln>
+        </p:spPr>
+        <p:style>
+          <a:lnRef idx="2">
+            <a:schemeClr val="accent1">
+              <a:shade val="50000"/>
+            </a:schemeClr>
+          </a:lnRef>
+          <a:fillRef idx="1">
+            <a:schemeClr val="accent1"/>
+          </a:fillRef>
+          <a:effectRef idx="0">
+            <a:schemeClr val="accent1"/>
+          </a:effectRef>
+          <a:fontRef idx="minor">
+            <a:schemeClr val="lt1"/>
+          </a:fontRef>
+        </p:style>
+        <p:txBody>
+          <a:bodyPr rtlCol="0" anchor="ctr"/>
+          <a:lstStyle/>
+          <a:p>
+            <a:pPr algn="ctr"/>
+            <a:endParaRPr lang="en-US"/>
+          </a:p>
+        </p:txBody>
+      </p:sp>
+      <p:sp>
+        <p:nvSpPr>
+          <p:cNvPr id="6" name="TextBox 5">
+            <a:extLst>
+              <a:ext uri="{FF2B5EF4-FFF2-40B4-BE49-F238E27FC236}">
+                <a16:creationId xmlns:a16="http://schemas.microsoft.com/office/drawing/2014/main" id="{A4F2B459-6DD5-384F-9FF9-C1F52463C220}"/>
+              </a:ext>
+            </a:extLst>
+          </p:cNvPr>
+          <p:cNvSpPr txBox="1"/>
+          <p:nvPr/>
+        </p:nvSpPr>
+        <p:spPr>
+          <a:xfrm>
+            <a:off x="630936" y="2807208"/>
+            <a:ext cx="3429000" cy="3410712"/>
+          </a:xfrm>
+          <a:prstGeom prst="rect">
+            <a:avLst/>
+          </a:prstGeom>
+        </p:spPr>
+        <p:txBody>
+          <a:bodyPr vert="horz" lIns="91440" tIns="45720" rIns="91440" bIns="45720" rtlCol="0" anchor="t">
+            <a:normAutofit fontScale="77500" lnSpcReduction="20000"/>
+          </a:bodyPr>
+          <a:lstStyle/>
+          <a:p>
+            <a:pPr indent="-228600">
+              <a:lnSpc>
+                <a:spcPct val="90000"/>
+              </a:lnSpc>
+              <a:spcAft>
+                <a:spcPts val="600"/>
+              </a:spcAft>
+              <a:buFont typeface="Arial" panose="020B0604020202020204" pitchFamily="34" charset="0"/>
+              <a:buChar char="•"/>
+            </a:pPr>
+            <a:r>
+              <a:rPr lang="en-US" sz="1500" dirty="0"/>
+              <a:t>BIC: 22923.9</a:t>
+            </a:r>
+          </a:p>
+          <a:p>
+            <a:pPr indent="-228600">
+              <a:lnSpc>
+                <a:spcPct val="90000"/>
+              </a:lnSpc>
+              <a:spcAft>
+                <a:spcPts val="600"/>
+              </a:spcAft>
+              <a:buFont typeface="Arial" panose="020B0604020202020204" pitchFamily="34" charset="0"/>
+              <a:buChar char="•"/>
+            </a:pPr>
+            <a:r>
+              <a:rPr lang="en-US" sz="1500" dirty="0"/>
+              <a:t>R^2: 0.16550089</a:t>
+            </a:r>
+          </a:p>
+          <a:p>
+            <a:pPr>
+              <a:lnSpc>
+                <a:spcPct val="90000"/>
+              </a:lnSpc>
+              <a:spcAft>
+                <a:spcPts val="600"/>
+              </a:spcAft>
+            </a:pPr>
+            <a:r>
+              <a:rPr lang="en-US" sz="1500" b="1" dirty="0"/>
+              <a:t>Betas</a:t>
+            </a:r>
+          </a:p>
+          <a:p>
+            <a:pPr marL="285750" indent="-228600">
+              <a:lnSpc>
+                <a:spcPct val="90000"/>
+              </a:lnSpc>
+              <a:spcAft>
+                <a:spcPts val="600"/>
+              </a:spcAft>
+              <a:buFont typeface="Arial" panose="020B0604020202020204" pitchFamily="34" charset="0"/>
+              <a:buChar char="•"/>
+            </a:pPr>
+            <a:r>
+              <a:rPr lang="en-US" sz="1500" dirty="0"/>
+              <a:t>SP= -0.0932522</a:t>
+            </a:r>
+          </a:p>
+          <a:p>
+            <a:pPr marL="285750" indent="-228600">
+              <a:lnSpc>
+                <a:spcPct val="90000"/>
+              </a:lnSpc>
+              <a:spcAft>
+                <a:spcPts val="600"/>
+              </a:spcAft>
+              <a:buFont typeface="Arial" panose="020B0604020202020204" pitchFamily="34" charset="0"/>
+              <a:buChar char="•"/>
+            </a:pPr>
+            <a:r>
+              <a:rPr lang="en-US" sz="1500" dirty="0"/>
+              <a:t>SP^2= -0.0006800</a:t>
+            </a:r>
+          </a:p>
+          <a:p>
+            <a:pPr marL="285750" indent="-228600">
+              <a:lnSpc>
+                <a:spcPct val="90000"/>
+              </a:lnSpc>
+              <a:spcAft>
+                <a:spcPts val="600"/>
+              </a:spcAft>
+              <a:buFont typeface="Arial" panose="020B0604020202020204" pitchFamily="34" charset="0"/>
+              <a:buChar char="•"/>
+            </a:pPr>
+            <a:r>
+              <a:rPr lang="en-US" sz="1500" dirty="0"/>
+              <a:t>Lag= -0.0654295</a:t>
+            </a:r>
+          </a:p>
+          <a:p>
+            <a:pPr marL="285750" indent="-228600">
+              <a:lnSpc>
+                <a:spcPct val="90000"/>
+              </a:lnSpc>
+              <a:spcAft>
+                <a:spcPts val="600"/>
+              </a:spcAft>
+              <a:buFont typeface="Arial" panose="020B0604020202020204" pitchFamily="34" charset="0"/>
+              <a:buChar char="•"/>
+            </a:pPr>
+            <a:r>
+              <a:rPr lang="en-US" sz="1500" dirty="0"/>
+              <a:t>Lag^2= -0.0014671</a:t>
+            </a:r>
+          </a:p>
+          <a:p>
+            <a:pPr marL="285750" indent="-228600">
+              <a:lnSpc>
+                <a:spcPct val="90000"/>
+              </a:lnSpc>
+              <a:spcAft>
+                <a:spcPts val="600"/>
+              </a:spcAft>
+              <a:buFont typeface="Arial" panose="020B0604020202020204" pitchFamily="34" charset="0"/>
+              <a:buChar char="•"/>
+            </a:pPr>
+            <a:r>
+              <a:rPr lang="en-US" sz="1500" dirty="0"/>
+              <a:t>List= 0.0130973</a:t>
+            </a:r>
+          </a:p>
+          <a:p>
+            <a:pPr marL="285750" indent="-228600">
+              <a:lnSpc>
+                <a:spcPct val="90000"/>
+              </a:lnSpc>
+              <a:spcAft>
+                <a:spcPts val="600"/>
+              </a:spcAft>
+              <a:buFont typeface="Arial" panose="020B0604020202020204" pitchFamily="34" charset="0"/>
+              <a:buChar char="•"/>
+            </a:pPr>
+            <a:r>
+              <a:rPr lang="en-US" sz="1500" dirty="0"/>
+              <a:t>List^2= -0.0012212</a:t>
+            </a:r>
+          </a:p>
+          <a:p>
+            <a:pPr>
+              <a:lnSpc>
+                <a:spcPct val="90000"/>
+              </a:lnSpc>
+              <a:spcAft>
+                <a:spcPts val="600"/>
+              </a:spcAft>
+            </a:pPr>
+            <a:r>
+              <a:rPr lang="en-US" sz="1500" b="1" dirty="0"/>
+              <a:t>P Values </a:t>
+            </a:r>
+          </a:p>
+          <a:p>
+            <a:pPr marL="285750" indent="-228600">
+              <a:lnSpc>
+                <a:spcPct val="90000"/>
+              </a:lnSpc>
+              <a:spcAft>
+                <a:spcPts val="600"/>
+              </a:spcAft>
+              <a:buFont typeface="Arial" panose="020B0604020202020204" pitchFamily="34" charset="0"/>
+              <a:buChar char="•"/>
+            </a:pPr>
+            <a:r>
+              <a:rPr lang="en-US" sz="1500" dirty="0"/>
+              <a:t>SP &lt;0.001***</a:t>
+            </a:r>
+          </a:p>
+          <a:p>
+            <a:pPr marL="285750" indent="-228600">
+              <a:lnSpc>
+                <a:spcPct val="90000"/>
+              </a:lnSpc>
+              <a:spcAft>
+                <a:spcPts val="600"/>
+              </a:spcAft>
+              <a:buFont typeface="Arial" panose="020B0604020202020204" pitchFamily="34" charset="0"/>
+              <a:buChar char="•"/>
+            </a:pPr>
+            <a:r>
+              <a:rPr lang="en-US" sz="1500" dirty="0"/>
+              <a:t>SP^2= 0.6216</a:t>
+            </a:r>
+          </a:p>
+          <a:p>
+            <a:pPr marL="285750" indent="-228600">
+              <a:lnSpc>
+                <a:spcPct val="90000"/>
+              </a:lnSpc>
+              <a:spcAft>
+                <a:spcPts val="600"/>
+              </a:spcAft>
+              <a:buFont typeface="Arial" panose="020B0604020202020204" pitchFamily="34" charset="0"/>
+              <a:buChar char="•"/>
+            </a:pPr>
+            <a:r>
+              <a:rPr lang="en-US" sz="1500" dirty="0"/>
+              <a:t>Lag&lt; 0.001*</a:t>
+            </a:r>
+          </a:p>
+          <a:p>
+            <a:pPr marL="285750" indent="-228600">
+              <a:lnSpc>
+                <a:spcPct val="90000"/>
+              </a:lnSpc>
+              <a:spcAft>
+                <a:spcPts val="600"/>
+              </a:spcAft>
+              <a:buFont typeface="Arial" panose="020B0604020202020204" pitchFamily="34" charset="0"/>
+              <a:buChar char="•"/>
+            </a:pPr>
+            <a:r>
+              <a:rPr lang="en-US" sz="1500" dirty="0"/>
+              <a:t>Lag^2 = 0.002***</a:t>
+            </a:r>
+          </a:p>
+          <a:p>
+            <a:pPr marL="285750" indent="-228600">
+              <a:lnSpc>
+                <a:spcPct val="90000"/>
+              </a:lnSpc>
+              <a:spcAft>
+                <a:spcPts val="600"/>
+              </a:spcAft>
+              <a:buFont typeface="Arial" panose="020B0604020202020204" pitchFamily="34" charset="0"/>
+              <a:buChar char="•"/>
+            </a:pPr>
+            <a:r>
+              <a:rPr lang="en-US" sz="1500" dirty="0"/>
+              <a:t>List= 0.45185</a:t>
+            </a:r>
+          </a:p>
+          <a:p>
+            <a:pPr marL="285750" indent="-228600">
+              <a:lnSpc>
+                <a:spcPct val="90000"/>
+              </a:lnSpc>
+              <a:spcAft>
+                <a:spcPts val="600"/>
+              </a:spcAft>
+              <a:buFont typeface="Arial" panose="020B0604020202020204" pitchFamily="34" charset="0"/>
+              <a:buChar char="•"/>
+            </a:pPr>
+            <a:r>
+              <a:rPr lang="en-US" sz="1500" dirty="0"/>
+              <a:t>List2= 0.21864</a:t>
+            </a:r>
           </a:p>
         </p:txBody>
       </p:sp>
       <p:pic>
         <p:nvPicPr>
-          <p:cNvPr id="5" name="Content Placeholder 4" descr="Chart&#10;&#10;Description automatically generated">
-            <a:extLst>
-              <a:ext uri="{FF2B5EF4-FFF2-40B4-BE49-F238E27FC236}">
-                <a16:creationId xmlns:a16="http://schemas.microsoft.com/office/drawing/2014/main" id="{E3177495-1F88-574A-9FC9-1613CE659DD6}"/>
+          <p:cNvPr id="7" name="Content Placeholder 4" descr="Chart&#10;&#10;Description automatically generated">
+            <a:extLst>
+              <a:ext uri="{FF2B5EF4-FFF2-40B4-BE49-F238E27FC236}">
+                <a16:creationId xmlns:a16="http://schemas.microsoft.com/office/drawing/2014/main" id="{3045839A-05C9-5D46-8445-DD801F428569}"/>
               </a:ext>
             </a:extLst>
           </p:cNvPr>
           <p:cNvPicPr>
-            <a:picLocks noGrp="1" noChangeAspect="1"/>
+            <a:picLocks noChangeAspect="1"/>
           </p:cNvPicPr>
-          <p:nvPr>
-            <p:ph idx="1"/>
-          </p:nvPr>
+          <p:nvPr/>
         </p:nvPicPr>
-        <p:blipFill>
+        <p:blipFill rotWithShape="1">
           <a:blip r:embed="rId2"/>
-          <a:stretch>
-            <a:fillRect/>
-          </a:stretch>
+          <a:srcRect t="74" r="21863" b="-839"/>
+          <a:stretch/>
         </p:blipFill>
         <p:spPr>
           <a:xfrm>
-            <a:off x="2898780" y="1825625"/>
-            <a:ext cx="6394439" cy="4351338"/>
+            <a:off x="5536892" y="1021419"/>
+            <a:ext cx="5513215" cy="4834805"/>
           </a:xfrm>
+          <a:prstGeom prst="rect">
+            <a:avLst/>
+          </a:prstGeom>
         </p:spPr>
       </p:pic>
     </p:spTree>
     <p:extLst>
       <p:ext uri="{BB962C8B-B14F-4D97-AF65-F5344CB8AC3E}">
-        <p14:creationId xmlns:p14="http://schemas.microsoft.com/office/powerpoint/2010/main" val="3792748282"/>
+        <p14:creationId xmlns:p14="http://schemas.microsoft.com/office/powerpoint/2010/main" val="4218436303"/>
       </p:ext>
     </p:extLst>
   </p:cSld>
